--- a/git및github첫걸음-원격저장소연결.pptx
+++ b/git및github첫걸음-원격저장소연결.pptx
@@ -5,7 +5,7 @@
     <p:sldMasterId id="2147483660" r:id="rId1"/>
   </p:sldMasterIdLst>
   <p:notesMasterIdLst>
-    <p:notesMasterId r:id="rId50"/>
+    <p:notesMasterId r:id="rId51"/>
   </p:notesMasterIdLst>
   <p:sldIdLst>
     <p:sldId id="261" r:id="rId2"/>
@@ -49,13 +49,14 @@
     <p:sldId id="363" r:id="rId40"/>
     <p:sldId id="365" r:id="rId41"/>
     <p:sldId id="366" r:id="rId42"/>
-    <p:sldId id="355" r:id="rId43"/>
-    <p:sldId id="289" r:id="rId44"/>
-    <p:sldId id="291" r:id="rId45"/>
-    <p:sldId id="292" r:id="rId46"/>
-    <p:sldId id="259" r:id="rId47"/>
-    <p:sldId id="294" r:id="rId48"/>
-    <p:sldId id="295" r:id="rId49"/>
+    <p:sldId id="368" r:id="rId43"/>
+    <p:sldId id="355" r:id="rId44"/>
+    <p:sldId id="289" r:id="rId45"/>
+    <p:sldId id="291" r:id="rId46"/>
+    <p:sldId id="292" r:id="rId47"/>
+    <p:sldId id="259" r:id="rId48"/>
+    <p:sldId id="294" r:id="rId49"/>
+    <p:sldId id="295" r:id="rId50"/>
   </p:sldIdLst>
   <p:sldSz cx="9144000" cy="6858000" type="screen4x3"/>
   <p:notesSz cx="6858000" cy="9144000"/>
@@ -680,6 +681,90 @@
     </p:spTree>
     <p:extLst>
       <p:ext uri="{BB962C8B-B14F-4D97-AF65-F5344CB8AC3E}">
+        <p14:creationId xmlns:p14="http://schemas.microsoft.com/office/powerpoint/2010/main" val="2656794270"/>
+      </p:ext>
+    </p:extLst>
+  </p:cSld>
+  <p:clrMapOvr>
+    <a:masterClrMapping/>
+  </p:clrMapOvr>
+</p:notes>
+</file>
+
+<file path=ppt/notesSlides/notesSlide11.xml><?xml version="1.0" encoding="utf-8"?>
+<p:notes xmlns:a="http://schemas.openxmlformats.org/drawingml/2006/main" xmlns:r="http://schemas.openxmlformats.org/officeDocument/2006/relationships" xmlns:p="http://schemas.openxmlformats.org/presentationml/2006/main">
+  <p:cSld>
+    <p:spTree>
+      <p:nvGrpSpPr>
+        <p:cNvPr id="1" name=""/>
+        <p:cNvGrpSpPr/>
+        <p:nvPr/>
+      </p:nvGrpSpPr>
+      <p:grpSpPr>
+        <a:xfrm>
+          <a:off x="0" y="0"/>
+          <a:ext cx="0" cy="0"/>
+          <a:chOff x="0" y="0"/>
+          <a:chExt cx="0" cy="0"/>
+        </a:xfrm>
+      </p:grpSpPr>
+      <p:sp>
+        <p:nvSpPr>
+          <p:cNvPr id="2" name="슬라이드 이미지 개체 틀 1"/>
+          <p:cNvSpPr>
+            <a:spLocks noGrp="1" noRot="1" noChangeAspect="1"/>
+          </p:cNvSpPr>
+          <p:nvPr>
+            <p:ph type="sldImg"/>
+          </p:nvPr>
+        </p:nvSpPr>
+        <p:spPr/>
+      </p:sp>
+      <p:sp>
+        <p:nvSpPr>
+          <p:cNvPr id="3" name="슬라이드 노트 개체 틀 2"/>
+          <p:cNvSpPr>
+            <a:spLocks noGrp="1"/>
+          </p:cNvSpPr>
+          <p:nvPr>
+            <p:ph type="body" idx="1"/>
+          </p:nvPr>
+        </p:nvSpPr>
+        <p:spPr/>
+        <p:txBody>
+          <a:bodyPr/>
+          <a:lstStyle/>
+          <a:p>
+            <a:endParaRPr lang="ko-KR" altLang="en-US" dirty="0"/>
+          </a:p>
+        </p:txBody>
+      </p:sp>
+      <p:sp>
+        <p:nvSpPr>
+          <p:cNvPr id="4" name="슬라이드 번호 개체 틀 3"/>
+          <p:cNvSpPr>
+            <a:spLocks noGrp="1"/>
+          </p:cNvSpPr>
+          <p:nvPr>
+            <p:ph type="sldNum" sz="quarter" idx="10"/>
+          </p:nvPr>
+        </p:nvSpPr>
+        <p:spPr/>
+        <p:txBody>
+          <a:bodyPr/>
+          <a:lstStyle/>
+          <a:p>
+            <a:fld id="{625D4AC4-540A-4436-887D-BF6A8FCF1275}" type="slidenum">
+              <a:rPr lang="ko-KR" altLang="en-US" smtClean="0"/>
+              <a:t>46</a:t>
+            </a:fld>
+            <a:endParaRPr lang="ko-KR" altLang="en-US"/>
+          </a:p>
+        </p:txBody>
+      </p:sp>
+    </p:spTree>
+    <p:extLst>
+      <p:ext uri="{BB962C8B-B14F-4D97-AF65-F5344CB8AC3E}">
         <p14:creationId xmlns:p14="http://schemas.microsoft.com/office/powerpoint/2010/main" val="2930983645"/>
       </p:ext>
     </p:extLst>
@@ -1184,7 +1269,7 @@
     </p:spTree>
     <p:extLst>
       <p:ext uri="{BB962C8B-B14F-4D97-AF65-F5344CB8AC3E}">
-        <p14:creationId xmlns:p14="http://schemas.microsoft.com/office/powerpoint/2010/main" val="727171928"/>
+        <p14:creationId xmlns:p14="http://schemas.microsoft.com/office/powerpoint/2010/main" val="1364516813"/>
       </p:ext>
     </p:extLst>
   </p:cSld>
@@ -1268,7 +1353,7 @@
     </p:spTree>
     <p:extLst>
       <p:ext uri="{BB962C8B-B14F-4D97-AF65-F5344CB8AC3E}">
-        <p14:creationId xmlns:p14="http://schemas.microsoft.com/office/powerpoint/2010/main" val="4210790931"/>
+        <p14:creationId xmlns:p14="http://schemas.microsoft.com/office/powerpoint/2010/main" val="727171928"/>
       </p:ext>
     </p:extLst>
   </p:cSld>
@@ -1352,7 +1437,7 @@
     </p:spTree>
     <p:extLst>
       <p:ext uri="{BB962C8B-B14F-4D97-AF65-F5344CB8AC3E}">
-        <p14:creationId xmlns:p14="http://schemas.microsoft.com/office/powerpoint/2010/main" val="2656794270"/>
+        <p14:creationId xmlns:p14="http://schemas.microsoft.com/office/powerpoint/2010/main" val="4210790931"/>
       </p:ext>
     </p:extLst>
   </p:cSld>
@@ -17840,6 +17925,276 @@
       </p:grpSpPr>
       <p:sp>
         <p:nvSpPr>
+          <p:cNvPr id="7" name="내용 개체 틀 2">
+            <a:extLst>
+              <a:ext uri="{FF2B5EF4-FFF2-40B4-BE49-F238E27FC236}">
+                <a16:creationId xmlns:a16="http://schemas.microsoft.com/office/drawing/2014/main" id="{A44AC902-3746-40D6-9827-94B46EEDDC67}"/>
+              </a:ext>
+            </a:extLst>
+          </p:cNvPr>
+          <p:cNvSpPr txBox="1">
+            <a:spLocks/>
+          </p:cNvSpPr>
+          <p:nvPr/>
+        </p:nvSpPr>
+        <p:spPr>
+          <a:xfrm>
+            <a:off x="341787" y="1120544"/>
+            <a:ext cx="8642350" cy="3883255"/>
+          </a:xfrm>
+          <a:prstGeom prst="rect">
+            <a:avLst/>
+          </a:prstGeom>
+        </p:spPr>
+        <p:txBody>
+          <a:bodyPr vert="horz" lIns="91440" tIns="45720" rIns="91440" bIns="45720" rtlCol="0">
+            <a:noAutofit/>
+          </a:bodyPr>
+          <a:lstStyle>
+            <a:lvl1pPr marL="266700" indent="-266700" defTabSz="914400" latinLnBrk="1">
+              <a:lnSpc>
+                <a:spcPct val="150000"/>
+              </a:lnSpc>
+              <a:spcBef>
+                <a:spcPct val="0"/>
+              </a:spcBef>
+              <a:buClr>
+                <a:schemeClr val="tx1">
+                  <a:lumMod val="65000"/>
+                  <a:lumOff val="35000"/>
+                </a:schemeClr>
+              </a:buClr>
+              <a:buFont typeface="Wingdings" pitchFamily="2" charset="2"/>
+              <a:buChar char="n"/>
+              <a:defRPr sz="2000" b="1">
+                <a:latin typeface="+mn-ea"/>
+              </a:defRPr>
+            </a:lvl1pPr>
+            <a:lvl2pPr marL="447675" lvl="1" indent="-180975" defTabSz="914400" latinLnBrk="1">
+              <a:lnSpc>
+                <a:spcPct val="150000"/>
+              </a:lnSpc>
+              <a:spcBef>
+                <a:spcPts val="0"/>
+              </a:spcBef>
+              <a:spcAft>
+                <a:spcPts val="0"/>
+              </a:spcAft>
+              <a:buClr>
+                <a:schemeClr val="tx1">
+                  <a:lumMod val="50000"/>
+                  <a:lumOff val="50000"/>
+                </a:schemeClr>
+              </a:buClr>
+              <a:buFont typeface="Wingdings" pitchFamily="2" charset="2"/>
+              <a:buChar char="§"/>
+              <a:defRPr sz="1600"/>
+            </a:lvl2pPr>
+            <a:lvl3pPr marL="628650" indent="-180975" defTabSz="914400" latinLnBrk="1">
+              <a:lnSpc>
+                <a:spcPct val="150000"/>
+              </a:lnSpc>
+              <a:spcBef>
+                <a:spcPts val="500"/>
+              </a:spcBef>
+              <a:spcAft>
+                <a:spcPts val="300"/>
+              </a:spcAft>
+              <a:buClr>
+                <a:schemeClr val="tx1">
+                  <a:lumMod val="65000"/>
+                  <a:lumOff val="35000"/>
+                </a:schemeClr>
+              </a:buClr>
+              <a:buFont typeface="Arial" panose="020B0604020202020204" pitchFamily="34" charset="0"/>
+              <a:buChar char="•"/>
+              <a:defRPr sz="1400"/>
+            </a:lvl3pPr>
+            <a:lvl4pPr marL="809625" indent="-180975" defTabSz="914400" latinLnBrk="1">
+              <a:lnSpc>
+                <a:spcPct val="150000"/>
+              </a:lnSpc>
+              <a:spcBef>
+                <a:spcPts val="500"/>
+              </a:spcBef>
+              <a:spcAft>
+                <a:spcPts val="300"/>
+              </a:spcAft>
+              <a:buClr>
+                <a:schemeClr val="tx1">
+                  <a:lumMod val="65000"/>
+                  <a:lumOff val="35000"/>
+                </a:schemeClr>
+              </a:buClr>
+              <a:buSzPct val="96000"/>
+              <a:buFont typeface="Arial" panose="020B0604020202020204" pitchFamily="34" charset="0"/>
+              <a:buChar char="•"/>
+              <a:defRPr sz="1200"/>
+            </a:lvl4pPr>
+            <a:lvl5pPr marL="990600" indent="-180975" defTabSz="914400" latinLnBrk="1">
+              <a:lnSpc>
+                <a:spcPct val="150000"/>
+              </a:lnSpc>
+              <a:spcBef>
+                <a:spcPts val="500"/>
+              </a:spcBef>
+              <a:buClr>
+                <a:schemeClr val="tx1">
+                  <a:lumMod val="65000"/>
+                  <a:lumOff val="35000"/>
+                </a:schemeClr>
+              </a:buClr>
+              <a:buFont typeface="Arial" panose="020B0604020202020204" pitchFamily="34" charset="0"/>
+              <a:buChar char="•"/>
+              <a:defRPr sz="1000"/>
+            </a:lvl5pPr>
+            <a:lvl6pPr marL="2514600" indent="-228600" defTabSz="914400" latinLnBrk="1">
+              <a:lnSpc>
+                <a:spcPct val="90000"/>
+              </a:lnSpc>
+              <a:spcBef>
+                <a:spcPts val="500"/>
+              </a:spcBef>
+              <a:buFont typeface="Arial" panose="020B0604020202020204" pitchFamily="34" charset="0"/>
+              <a:buChar char="•"/>
+            </a:lvl6pPr>
+            <a:lvl7pPr marL="2971800" indent="-228600" defTabSz="914400" latinLnBrk="1">
+              <a:lnSpc>
+                <a:spcPct val="90000"/>
+              </a:lnSpc>
+              <a:spcBef>
+                <a:spcPts val="500"/>
+              </a:spcBef>
+              <a:buFont typeface="Arial" panose="020B0604020202020204" pitchFamily="34" charset="0"/>
+              <a:buChar char="•"/>
+            </a:lvl7pPr>
+            <a:lvl8pPr marL="3429000" indent="-228600" defTabSz="914400" latinLnBrk="1">
+              <a:lnSpc>
+                <a:spcPct val="90000"/>
+              </a:lnSpc>
+              <a:spcBef>
+                <a:spcPts val="500"/>
+              </a:spcBef>
+              <a:buFont typeface="Arial" panose="020B0604020202020204" pitchFamily="34" charset="0"/>
+              <a:buChar char="•"/>
+            </a:lvl8pPr>
+            <a:lvl9pPr marL="3886200" indent="-228600" defTabSz="914400" latinLnBrk="1">
+              <a:lnSpc>
+                <a:spcPct val="90000"/>
+              </a:lnSpc>
+              <a:spcBef>
+                <a:spcPts val="500"/>
+              </a:spcBef>
+              <a:buFont typeface="Arial" panose="020B0604020202020204" pitchFamily="34" charset="0"/>
+              <a:buChar char="•"/>
+            </a:lvl9pPr>
+          </a:lstStyle>
+          <a:p>
+            <a:r>
+              <a:rPr lang="en-US" altLang="ko-KR" dirty="0"/>
+              <a:t>Fork</a:t>
+            </a:r>
+            <a:r>
+              <a:rPr lang="ko-KR" altLang="en-US" dirty="0"/>
+              <a:t> 연습하기</a:t>
+            </a:r>
+            <a:endParaRPr lang="en-US" altLang="ko-KR" dirty="0"/>
+          </a:p>
+          <a:p>
+            <a:pPr lvl="1"/>
+            <a:r>
+              <a:rPr lang="en-US" altLang="ko-KR" dirty="0">
+                <a:latin typeface="+mn-ea"/>
+                <a:hlinkClick r:id="rId3"/>
+              </a:rPr>
+              <a:t>https://github.com/octocat/Spoon-Knife</a:t>
+            </a:r>
+            <a:r>
+              <a:rPr lang="en-US" altLang="ko-KR" dirty="0">
+                <a:latin typeface="+mn-ea"/>
+              </a:rPr>
+              <a:t> </a:t>
+            </a:r>
+            <a:r>
+              <a:rPr lang="ko-KR" altLang="en-US" dirty="0">
+                <a:latin typeface="+mn-ea"/>
+              </a:rPr>
+              <a:t>이동</a:t>
+            </a:r>
+            <a:endParaRPr lang="en-US" altLang="ko-KR" dirty="0">
+              <a:latin typeface="+mn-ea"/>
+            </a:endParaRPr>
+          </a:p>
+          <a:p>
+            <a:pPr marL="266700" lvl="1" indent="0">
+              <a:buNone/>
+            </a:pPr>
+            <a:r>
+              <a:rPr lang="en-US" altLang="ko-KR" dirty="0">
+                <a:latin typeface="+mn-ea"/>
+              </a:rPr>
+              <a:t>  - This repo is for demonstration purposes only. (github.com)</a:t>
+            </a:r>
+          </a:p>
+          <a:p>
+            <a:pPr marL="266700" lvl="1" indent="0">
+              <a:buNone/>
+            </a:pPr>
+            <a:r>
+              <a:rPr lang="en-US" altLang="ko-KR" dirty="0">
+                <a:latin typeface="+mn-ea"/>
+                <a:hlinkClick r:id="rId4"/>
+              </a:rPr>
+              <a:t>https://dev.to/maybebored/part-1-setting-up-git-5819</a:t>
+            </a:r>
+            <a:r>
+              <a:rPr lang="en-US" altLang="ko-KR" dirty="0">
+                <a:latin typeface="+mn-ea"/>
+              </a:rPr>
+              <a:t> (</a:t>
+            </a:r>
+            <a:r>
+              <a:rPr lang="ko-KR" altLang="en-US" dirty="0">
+                <a:latin typeface="+mn-ea"/>
+              </a:rPr>
+              <a:t>학생 실습 준비</a:t>
+            </a:r>
+            <a:r>
+              <a:rPr lang="en-US" altLang="ko-KR">
+                <a:latin typeface="+mn-ea"/>
+              </a:rPr>
+              <a:t>)</a:t>
+            </a:r>
+            <a:endParaRPr lang="en-US" altLang="ko-KR" dirty="0">
+              <a:latin typeface="+mn-ea"/>
+            </a:endParaRPr>
+          </a:p>
+          <a:p>
+            <a:pPr lvl="1"/>
+            <a:endParaRPr lang="en-US" altLang="ko-KR" dirty="0">
+              <a:latin typeface="+mn-ea"/>
+            </a:endParaRPr>
+          </a:p>
+          <a:p>
+            <a:pPr marL="266700" lvl="1" indent="0">
+              <a:buNone/>
+            </a:pPr>
+            <a:endParaRPr lang="en-US" altLang="ko-KR" dirty="0">
+              <a:latin typeface="+mn-ea"/>
+            </a:endParaRPr>
+          </a:p>
+          <a:p>
+            <a:pPr marL="266700" lvl="1" indent="0">
+              <a:buNone/>
+            </a:pPr>
+            <a:endParaRPr lang="en-US" altLang="ko-KR" dirty="0">
+              <a:latin typeface="+mn-ea"/>
+            </a:endParaRPr>
+          </a:p>
+        </p:txBody>
+      </p:sp>
+      <p:sp>
+        <p:nvSpPr>
           <p:cNvPr id="4" name="제목 3">
             <a:extLst>
               <a:ext uri="{FF2B5EF4-FFF2-40B4-BE49-F238E27FC236}">
@@ -17860,485 +18215,46 @@
           <a:lstStyle/>
           <a:p>
             <a:r>
-              <a:rPr lang="en-US" altLang="ko-KR" dirty="0"/>
-              <a:t>Pull,</a:t>
-            </a:r>
-            <a:r>
               <a:rPr lang="ko-KR" altLang="en-US" dirty="0"/>
-              <a:t> </a:t>
-            </a:r>
-            <a:r>
-              <a:rPr lang="en-US" altLang="ko-KR" dirty="0"/>
-              <a:t>Push </a:t>
-            </a:r>
-            <a:r>
-              <a:rPr lang="ko-KR" altLang="en-US" dirty="0"/>
-              <a:t>요약</a:t>
+              <a:t>원격저장소에서 복제하기</a:t>
             </a:r>
           </a:p>
         </p:txBody>
       </p:sp>
-      <p:sp>
-        <p:nvSpPr>
-          <p:cNvPr id="7" name="내용 개체 틀 2">
+      <p:pic>
+        <p:nvPicPr>
+          <p:cNvPr id="3" name="그림 2">
             <a:extLst>
               <a:ext uri="{FF2B5EF4-FFF2-40B4-BE49-F238E27FC236}">
-                <a16:creationId xmlns:a16="http://schemas.microsoft.com/office/drawing/2014/main" id="{A44AC902-3746-40D6-9827-94B46EEDDC67}"/>
+                <a16:creationId xmlns:a16="http://schemas.microsoft.com/office/drawing/2014/main" id="{A8EA6024-1265-4595-8B93-6A4733B6EADF}"/>
               </a:ext>
             </a:extLst>
           </p:cNvPr>
-          <p:cNvSpPr txBox="1">
-            <a:spLocks/>
-          </p:cNvSpPr>
+          <p:cNvPicPr>
+            <a:picLocks noChangeAspect="1"/>
+          </p:cNvPicPr>
           <p:nvPr/>
-        </p:nvSpPr>
+        </p:nvPicPr>
+        <p:blipFill>
+          <a:blip r:embed="rId5"/>
+          <a:stretch>
+            <a:fillRect/>
+          </a:stretch>
+        </p:blipFill>
         <p:spPr>
           <a:xfrm>
-            <a:off x="341787" y="1120544"/>
-            <a:ext cx="8642350" cy="4365856"/>
+            <a:off x="1509712" y="2810839"/>
+            <a:ext cx="6124575" cy="3352800"/>
           </a:xfrm>
           <a:prstGeom prst="rect">
             <a:avLst/>
           </a:prstGeom>
         </p:spPr>
-        <p:txBody>
-          <a:bodyPr vert="horz" lIns="91440" tIns="45720" rIns="91440" bIns="45720" rtlCol="0">
-            <a:noAutofit/>
-          </a:bodyPr>
-          <a:lstStyle>
-            <a:lvl1pPr marL="266700" indent="-266700" defTabSz="914400" latinLnBrk="1">
-              <a:lnSpc>
-                <a:spcPct val="150000"/>
-              </a:lnSpc>
-              <a:spcBef>
-                <a:spcPct val="0"/>
-              </a:spcBef>
-              <a:buClr>
-                <a:schemeClr val="tx1">
-                  <a:lumMod val="65000"/>
-                  <a:lumOff val="35000"/>
-                </a:schemeClr>
-              </a:buClr>
-              <a:buFont typeface="Wingdings" pitchFamily="2" charset="2"/>
-              <a:buChar char="n"/>
-              <a:defRPr sz="2000" b="1">
-                <a:latin typeface="+mn-ea"/>
-              </a:defRPr>
-            </a:lvl1pPr>
-            <a:lvl2pPr marL="447675" lvl="1" indent="-180975" defTabSz="914400" latinLnBrk="1">
-              <a:lnSpc>
-                <a:spcPct val="150000"/>
-              </a:lnSpc>
-              <a:spcBef>
-                <a:spcPts val="0"/>
-              </a:spcBef>
-              <a:spcAft>
-                <a:spcPts val="0"/>
-              </a:spcAft>
-              <a:buClr>
-                <a:schemeClr val="tx1">
-                  <a:lumMod val="50000"/>
-                  <a:lumOff val="50000"/>
-                </a:schemeClr>
-              </a:buClr>
-              <a:buFont typeface="Wingdings" pitchFamily="2" charset="2"/>
-              <a:buChar char="§"/>
-              <a:defRPr sz="1600"/>
-            </a:lvl2pPr>
-            <a:lvl3pPr marL="628650" indent="-180975" defTabSz="914400" latinLnBrk="1">
-              <a:lnSpc>
-                <a:spcPct val="150000"/>
-              </a:lnSpc>
-              <a:spcBef>
-                <a:spcPts val="500"/>
-              </a:spcBef>
-              <a:spcAft>
-                <a:spcPts val="300"/>
-              </a:spcAft>
-              <a:buClr>
-                <a:schemeClr val="tx1">
-                  <a:lumMod val="65000"/>
-                  <a:lumOff val="35000"/>
-                </a:schemeClr>
-              </a:buClr>
-              <a:buFont typeface="Arial" panose="020B0604020202020204" pitchFamily="34" charset="0"/>
-              <a:buChar char="•"/>
-              <a:defRPr sz="1400"/>
-            </a:lvl3pPr>
-            <a:lvl4pPr marL="809625" indent="-180975" defTabSz="914400" latinLnBrk="1">
-              <a:lnSpc>
-                <a:spcPct val="150000"/>
-              </a:lnSpc>
-              <a:spcBef>
-                <a:spcPts val="500"/>
-              </a:spcBef>
-              <a:spcAft>
-                <a:spcPts val="300"/>
-              </a:spcAft>
-              <a:buClr>
-                <a:schemeClr val="tx1">
-                  <a:lumMod val="65000"/>
-                  <a:lumOff val="35000"/>
-                </a:schemeClr>
-              </a:buClr>
-              <a:buSzPct val="96000"/>
-              <a:buFont typeface="Arial" panose="020B0604020202020204" pitchFamily="34" charset="0"/>
-              <a:buChar char="•"/>
-              <a:defRPr sz="1200"/>
-            </a:lvl4pPr>
-            <a:lvl5pPr marL="990600" indent="-180975" defTabSz="914400" latinLnBrk="1">
-              <a:lnSpc>
-                <a:spcPct val="150000"/>
-              </a:lnSpc>
-              <a:spcBef>
-                <a:spcPts val="500"/>
-              </a:spcBef>
-              <a:buClr>
-                <a:schemeClr val="tx1">
-                  <a:lumMod val="65000"/>
-                  <a:lumOff val="35000"/>
-                </a:schemeClr>
-              </a:buClr>
-              <a:buFont typeface="Arial" panose="020B0604020202020204" pitchFamily="34" charset="0"/>
-              <a:buChar char="•"/>
-              <a:defRPr sz="1000"/>
-            </a:lvl5pPr>
-            <a:lvl6pPr marL="2514600" indent="-228600" defTabSz="914400" latinLnBrk="1">
-              <a:lnSpc>
-                <a:spcPct val="90000"/>
-              </a:lnSpc>
-              <a:spcBef>
-                <a:spcPts val="500"/>
-              </a:spcBef>
-              <a:buFont typeface="Arial" panose="020B0604020202020204" pitchFamily="34" charset="0"/>
-              <a:buChar char="•"/>
-            </a:lvl6pPr>
-            <a:lvl7pPr marL="2971800" indent="-228600" defTabSz="914400" latinLnBrk="1">
-              <a:lnSpc>
-                <a:spcPct val="90000"/>
-              </a:lnSpc>
-              <a:spcBef>
-                <a:spcPts val="500"/>
-              </a:spcBef>
-              <a:buFont typeface="Arial" panose="020B0604020202020204" pitchFamily="34" charset="0"/>
-              <a:buChar char="•"/>
-            </a:lvl7pPr>
-            <a:lvl8pPr marL="3429000" indent="-228600" defTabSz="914400" latinLnBrk="1">
-              <a:lnSpc>
-                <a:spcPct val="90000"/>
-              </a:lnSpc>
-              <a:spcBef>
-                <a:spcPts val="500"/>
-              </a:spcBef>
-              <a:buFont typeface="Arial" panose="020B0604020202020204" pitchFamily="34" charset="0"/>
-              <a:buChar char="•"/>
-            </a:lvl8pPr>
-            <a:lvl9pPr marL="3886200" indent="-228600" defTabSz="914400" latinLnBrk="1">
-              <a:lnSpc>
-                <a:spcPct val="90000"/>
-              </a:lnSpc>
-              <a:spcBef>
-                <a:spcPts val="500"/>
-              </a:spcBef>
-              <a:buFont typeface="Arial" panose="020B0604020202020204" pitchFamily="34" charset="0"/>
-              <a:buChar char="•"/>
-            </a:lvl9pPr>
-          </a:lstStyle>
-          <a:p>
-            <a:r>
-              <a:rPr lang="en-US" altLang="ko-KR" dirty="0"/>
-              <a:t>push , pull</a:t>
-            </a:r>
-          </a:p>
-          <a:p>
-            <a:pPr lvl="1"/>
-            <a:r>
-              <a:rPr lang="ko-KR" altLang="en-US" dirty="0">
-                <a:latin typeface="+mn-ea"/>
-              </a:rPr>
-              <a:t>특정 </a:t>
-            </a:r>
-            <a:r>
-              <a:rPr lang="ko-KR" altLang="en-US" dirty="0" err="1">
-                <a:latin typeface="+mn-ea"/>
-              </a:rPr>
-              <a:t>브랜치</a:t>
-            </a:r>
-            <a:r>
-              <a:rPr lang="ko-KR" altLang="en-US" dirty="0">
-                <a:latin typeface="+mn-ea"/>
-              </a:rPr>
-              <a:t> </a:t>
-            </a:r>
-            <a:r>
-              <a:rPr lang="en-US" altLang="ko-KR" dirty="0">
-                <a:latin typeface="+mn-ea"/>
-              </a:rPr>
-              <a:t>push</a:t>
-            </a:r>
-          </a:p>
-          <a:p>
-            <a:pPr marL="266700" lvl="1" indent="0">
-              <a:buNone/>
-            </a:pPr>
-            <a:r>
-              <a:rPr lang="en-US" altLang="ko-KR" dirty="0">
-                <a:latin typeface="+mn-ea"/>
-              </a:rPr>
-              <a:t>    - push</a:t>
-            </a:r>
-            <a:r>
-              <a:rPr lang="ko-KR" altLang="en-US" dirty="0">
-                <a:latin typeface="+mn-ea"/>
-              </a:rPr>
-              <a:t>하고자 하는 </a:t>
-            </a:r>
-            <a:r>
-              <a:rPr lang="ko-KR" altLang="en-US" dirty="0">
-                <a:solidFill>
-                  <a:srgbClr val="0000FF"/>
-                </a:solidFill>
-                <a:latin typeface="+mn-ea"/>
-              </a:rPr>
-              <a:t>로컬 </a:t>
-            </a:r>
-            <a:r>
-              <a:rPr lang="ko-KR" altLang="en-US" dirty="0" err="1">
-                <a:solidFill>
-                  <a:srgbClr val="0000FF"/>
-                </a:solidFill>
-                <a:latin typeface="+mn-ea"/>
-              </a:rPr>
-              <a:t>브랜치로</a:t>
-            </a:r>
-            <a:r>
-              <a:rPr lang="ko-KR" altLang="en-US" dirty="0">
-                <a:solidFill>
-                  <a:srgbClr val="0000FF"/>
-                </a:solidFill>
-                <a:latin typeface="+mn-ea"/>
-              </a:rPr>
-              <a:t> 이동 후</a:t>
-            </a:r>
-            <a:endParaRPr lang="en-US" altLang="ko-KR" dirty="0">
-              <a:solidFill>
-                <a:srgbClr val="0000FF"/>
-              </a:solidFill>
-              <a:latin typeface="+mn-ea"/>
-            </a:endParaRPr>
-          </a:p>
-          <a:p>
-            <a:pPr marL="266700" lvl="1" indent="0">
-              <a:buNone/>
-            </a:pPr>
-            <a:r>
-              <a:rPr lang="en-US" altLang="ko-KR" dirty="0">
-                <a:latin typeface="+mn-ea"/>
-              </a:rPr>
-              <a:t>      ☞ git push –u origin &lt;</a:t>
-            </a:r>
-            <a:r>
-              <a:rPr lang="ko-KR" altLang="en-US" dirty="0" err="1">
-                <a:latin typeface="+mn-ea"/>
-              </a:rPr>
-              <a:t>브랜치</a:t>
-            </a:r>
-            <a:r>
-              <a:rPr lang="ko-KR" altLang="en-US" dirty="0">
-                <a:latin typeface="+mn-ea"/>
-              </a:rPr>
-              <a:t> 이름</a:t>
-            </a:r>
-            <a:r>
-              <a:rPr lang="en-US" altLang="ko-KR" dirty="0">
-                <a:latin typeface="+mn-ea"/>
-              </a:rPr>
-              <a:t>&gt; </a:t>
-            </a:r>
-          </a:p>
-          <a:p>
-            <a:pPr marL="266700" lvl="1" indent="0">
-              <a:buNone/>
-            </a:pPr>
-            <a:r>
-              <a:rPr lang="en-US" altLang="ko-KR" dirty="0">
-                <a:latin typeface="+mn-ea"/>
-              </a:rPr>
-              <a:t>    - </a:t>
-            </a:r>
-            <a:r>
-              <a:rPr lang="ko-KR" altLang="en-US" dirty="0">
-                <a:latin typeface="+mn-ea"/>
-              </a:rPr>
-              <a:t>이후 간단하게 진행</a:t>
-            </a:r>
-            <a:endParaRPr lang="en-US" altLang="ko-KR" dirty="0">
-              <a:latin typeface="+mn-ea"/>
-            </a:endParaRPr>
-          </a:p>
-          <a:p>
-            <a:pPr marL="266700" lvl="1" indent="0">
-              <a:buNone/>
-            </a:pPr>
-            <a:r>
-              <a:rPr lang="en-US" altLang="ko-KR" dirty="0">
-                <a:latin typeface="+mn-ea"/>
-              </a:rPr>
-              <a:t>      ☞ git push</a:t>
-            </a:r>
-          </a:p>
-          <a:p>
-            <a:pPr lvl="1"/>
-            <a:r>
-              <a:rPr lang="ko-KR" altLang="en-US" dirty="0">
-                <a:latin typeface="+mn-ea"/>
-              </a:rPr>
-              <a:t>특정 </a:t>
-            </a:r>
-            <a:r>
-              <a:rPr lang="ko-KR" altLang="en-US" dirty="0" err="1">
-                <a:latin typeface="+mn-ea"/>
-              </a:rPr>
-              <a:t>브랜치</a:t>
-            </a:r>
-            <a:r>
-              <a:rPr lang="ko-KR" altLang="en-US" dirty="0">
-                <a:latin typeface="+mn-ea"/>
-              </a:rPr>
-              <a:t> </a:t>
-            </a:r>
-            <a:r>
-              <a:rPr lang="en-US" altLang="ko-KR" dirty="0">
-                <a:latin typeface="+mn-ea"/>
-              </a:rPr>
-              <a:t>pull</a:t>
-            </a:r>
-          </a:p>
-          <a:p>
-            <a:pPr marL="266700" lvl="1" indent="0">
-              <a:buNone/>
-            </a:pPr>
-            <a:r>
-              <a:rPr lang="en-US" altLang="ko-KR" dirty="0">
-                <a:latin typeface="+mn-ea"/>
-              </a:rPr>
-              <a:t>    - pull</a:t>
-            </a:r>
-            <a:r>
-              <a:rPr lang="ko-KR" altLang="en-US" dirty="0">
-                <a:latin typeface="+mn-ea"/>
-              </a:rPr>
-              <a:t>하고자 하는 </a:t>
-            </a:r>
-            <a:r>
-              <a:rPr lang="ko-KR" altLang="en-US" dirty="0">
-                <a:solidFill>
-                  <a:srgbClr val="0000FF"/>
-                </a:solidFill>
-                <a:latin typeface="+mn-ea"/>
-              </a:rPr>
-              <a:t>로컬 </a:t>
-            </a:r>
-            <a:r>
-              <a:rPr lang="ko-KR" altLang="en-US" dirty="0" err="1">
-                <a:solidFill>
-                  <a:srgbClr val="0000FF"/>
-                </a:solidFill>
-                <a:latin typeface="+mn-ea"/>
-              </a:rPr>
-              <a:t>브랜치로</a:t>
-            </a:r>
-            <a:r>
-              <a:rPr lang="ko-KR" altLang="en-US" dirty="0">
-                <a:solidFill>
-                  <a:srgbClr val="0000FF"/>
-                </a:solidFill>
-                <a:latin typeface="+mn-ea"/>
-              </a:rPr>
-              <a:t> 이동 후</a:t>
-            </a:r>
-            <a:endParaRPr lang="en-US" altLang="ko-KR" dirty="0">
-              <a:solidFill>
-                <a:srgbClr val="0000FF"/>
-              </a:solidFill>
-              <a:latin typeface="+mn-ea"/>
-            </a:endParaRPr>
-          </a:p>
-          <a:p>
-            <a:pPr marL="266700" lvl="1" indent="0">
-              <a:buNone/>
-            </a:pPr>
-            <a:r>
-              <a:rPr lang="en-US" altLang="ko-KR" dirty="0">
-                <a:latin typeface="+mn-ea"/>
-              </a:rPr>
-              <a:t>    ☞ git pull origin &lt;</a:t>
-            </a:r>
-            <a:r>
-              <a:rPr lang="ko-KR" altLang="en-US" dirty="0" err="1">
-                <a:latin typeface="+mn-ea"/>
-              </a:rPr>
-              <a:t>브랜치</a:t>
-            </a:r>
-            <a:r>
-              <a:rPr lang="ko-KR" altLang="en-US" dirty="0">
-                <a:latin typeface="+mn-ea"/>
-              </a:rPr>
-              <a:t> 이름</a:t>
-            </a:r>
-            <a:r>
-              <a:rPr lang="en-US" altLang="ko-KR" dirty="0">
-                <a:latin typeface="+mn-ea"/>
-              </a:rPr>
-              <a:t>&gt;</a:t>
-            </a:r>
-          </a:p>
-          <a:p>
-            <a:pPr marL="266700" lvl="1" indent="0">
-              <a:buNone/>
-            </a:pPr>
-            <a:r>
-              <a:rPr lang="en-US" altLang="ko-KR" dirty="0">
-                <a:latin typeface="+mn-ea"/>
-              </a:rPr>
-              <a:t>    - </a:t>
-            </a:r>
-            <a:r>
-              <a:rPr lang="ko-KR" altLang="en-US" dirty="0">
-                <a:latin typeface="+mn-ea"/>
-              </a:rPr>
-              <a:t>이후 간단하게 진행</a:t>
-            </a:r>
-            <a:endParaRPr lang="en-US" altLang="ko-KR" dirty="0">
-              <a:latin typeface="+mn-ea"/>
-            </a:endParaRPr>
-          </a:p>
-          <a:p>
-            <a:pPr marL="266700" lvl="1" indent="0">
-              <a:buNone/>
-            </a:pPr>
-            <a:r>
-              <a:rPr lang="en-US" altLang="ko-KR" dirty="0">
-                <a:solidFill>
-                  <a:srgbClr val="FF0000"/>
-                </a:solidFill>
-                <a:latin typeface="+mn-ea"/>
-              </a:rPr>
-              <a:t>    </a:t>
-            </a:r>
-            <a:r>
-              <a:rPr lang="en-US" altLang="ko-KR" dirty="0">
-                <a:latin typeface="+mn-ea"/>
-              </a:rPr>
-              <a:t>☞ git pull</a:t>
-            </a:r>
-          </a:p>
-        </p:txBody>
-      </p:sp>
+      </p:pic>
     </p:spTree>
     <p:extLst>
       <p:ext uri="{BB962C8B-B14F-4D97-AF65-F5344CB8AC3E}">
-        <p14:creationId xmlns:p14="http://schemas.microsoft.com/office/powerpoint/2010/main" val="3337374198"/>
+        <p14:creationId xmlns:p14="http://schemas.microsoft.com/office/powerpoint/2010/main" val="3068815660"/>
       </p:ext>
     </p:extLst>
   </p:cSld>
@@ -18387,8 +18303,20 @@
           <a:lstStyle/>
           <a:p>
             <a:r>
+              <a:rPr lang="en-US" altLang="ko-KR" dirty="0"/>
+              <a:t>Pull,</a:t>
+            </a:r>
+            <a:r>
               <a:rPr lang="ko-KR" altLang="en-US" dirty="0"/>
-              <a:t>협업하기</a:t>
+              <a:t> </a:t>
+            </a:r>
+            <a:r>
+              <a:rPr lang="en-US" altLang="ko-KR" dirty="0"/>
+              <a:t>Push </a:t>
+            </a:r>
+            <a:r>
+              <a:rPr lang="ko-KR" altLang="en-US" dirty="0"/>
+              <a:t>요약</a:t>
             </a:r>
           </a:p>
         </p:txBody>
@@ -18409,8 +18337,8 @@
         </p:nvSpPr>
         <p:spPr>
           <a:xfrm>
-            <a:off x="341787" y="1120545"/>
-            <a:ext cx="8642350" cy="2351314"/>
+            <a:off x="341787" y="1120544"/>
+            <a:ext cx="8642350" cy="4365856"/>
           </a:xfrm>
           <a:prstGeom prst="rect">
             <a:avLst/>
@@ -18562,123 +18490,290 @@
           <a:p>
             <a:r>
               <a:rPr lang="en-US" altLang="ko-KR" dirty="0"/>
-              <a:t>Fetch </a:t>
-            </a:r>
-            <a:r>
-              <a:rPr lang="ko-KR" altLang="en-US" dirty="0"/>
-              <a:t>이용하기</a:t>
-            </a:r>
-            <a:endParaRPr lang="en-US" altLang="ko-KR" dirty="0"/>
+              <a:t>push , pull</a:t>
+            </a:r>
           </a:p>
           <a:p>
             <a:pPr lvl="1"/>
             <a:r>
-              <a:rPr lang="en-US" altLang="ko-KR" dirty="0" err="1"/>
-              <a:t>Git</a:t>
-            </a:r>
-            <a:r>
-              <a:rPr lang="en-US" altLang="ko-KR" dirty="0"/>
-              <a:t> fetch – </a:t>
-            </a:r>
-            <a:r>
-              <a:rPr lang="en-US" altLang="ko-KR" dirty="0" err="1"/>
-              <a:t>git</a:t>
-            </a:r>
-            <a:r>
-              <a:rPr lang="en-US" altLang="ko-KR" dirty="0"/>
-              <a:t> merge FETCH_HEAD == </a:t>
-            </a:r>
-            <a:r>
-              <a:rPr lang="en-US" altLang="ko-KR" dirty="0" err="1"/>
-              <a:t>git</a:t>
-            </a:r>
-            <a:r>
-              <a:rPr lang="en-US" altLang="ko-KR" dirty="0"/>
-              <a:t> pull </a:t>
+              <a:rPr lang="ko-KR" altLang="en-US" dirty="0">
+                <a:latin typeface="+mn-ea"/>
+              </a:rPr>
+              <a:t>특정 </a:t>
+            </a:r>
+            <a:r>
+              <a:rPr lang="ko-KR" altLang="en-US" dirty="0" err="1">
+                <a:latin typeface="+mn-ea"/>
+              </a:rPr>
+              <a:t>브랜치</a:t>
+            </a:r>
+            <a:r>
+              <a:rPr lang="ko-KR" altLang="en-US" dirty="0">
+                <a:latin typeface="+mn-ea"/>
+              </a:rPr>
+              <a:t> </a:t>
+            </a:r>
+            <a:r>
+              <a:rPr lang="en-US" altLang="ko-KR" dirty="0">
+                <a:latin typeface="+mn-ea"/>
+              </a:rPr>
+              <a:t>push</a:t>
+            </a:r>
+          </a:p>
+          <a:p>
+            <a:pPr marL="266700" lvl="1" indent="0">
+              <a:buNone/>
+            </a:pPr>
+            <a:r>
+              <a:rPr lang="en-US" altLang="ko-KR" dirty="0">
+                <a:latin typeface="+mn-ea"/>
+              </a:rPr>
+              <a:t>    - push</a:t>
+            </a:r>
+            <a:r>
+              <a:rPr lang="ko-KR" altLang="en-US" dirty="0">
+                <a:latin typeface="+mn-ea"/>
+              </a:rPr>
+              <a:t>하고자 하는 </a:t>
+            </a:r>
+            <a:r>
+              <a:rPr lang="ko-KR" altLang="en-US" dirty="0">
+                <a:solidFill>
+                  <a:srgbClr val="0000FF"/>
+                </a:solidFill>
+                <a:latin typeface="+mn-ea"/>
+              </a:rPr>
+              <a:t>로컬 </a:t>
+            </a:r>
+            <a:r>
+              <a:rPr lang="ko-KR" altLang="en-US" dirty="0" err="1">
+                <a:solidFill>
+                  <a:srgbClr val="0000FF"/>
+                </a:solidFill>
+                <a:latin typeface="+mn-ea"/>
+              </a:rPr>
+              <a:t>브랜치로</a:t>
+            </a:r>
+            <a:r>
+              <a:rPr lang="ko-KR" altLang="en-US" dirty="0">
+                <a:solidFill>
+                  <a:srgbClr val="0000FF"/>
+                </a:solidFill>
+                <a:latin typeface="+mn-ea"/>
+              </a:rPr>
+              <a:t> 이동 후</a:t>
+            </a:r>
+            <a:endParaRPr lang="en-US" altLang="ko-KR" dirty="0">
+              <a:solidFill>
+                <a:srgbClr val="0000FF"/>
+              </a:solidFill>
+              <a:latin typeface="+mn-ea"/>
+            </a:endParaRPr>
+          </a:p>
+          <a:p>
+            <a:pPr marL="266700" lvl="1" indent="0">
+              <a:buNone/>
+            </a:pPr>
+            <a:r>
+              <a:rPr lang="en-US" altLang="ko-KR" dirty="0">
+                <a:latin typeface="+mn-ea"/>
+              </a:rPr>
+              <a:t>      ☞ git push –u origin &lt;</a:t>
+            </a:r>
+            <a:r>
+              <a:rPr lang="ko-KR" altLang="en-US" dirty="0" err="1">
+                <a:latin typeface="+mn-ea"/>
+              </a:rPr>
+              <a:t>브랜치</a:t>
+            </a:r>
+            <a:r>
+              <a:rPr lang="ko-KR" altLang="en-US" dirty="0">
+                <a:latin typeface="+mn-ea"/>
+              </a:rPr>
+              <a:t> 이름</a:t>
+            </a:r>
+            <a:r>
+              <a:rPr lang="en-US" altLang="ko-KR" dirty="0">
+                <a:latin typeface="+mn-ea"/>
+              </a:rPr>
+              <a:t>&gt; </a:t>
+            </a:r>
+          </a:p>
+          <a:p>
+            <a:pPr marL="266700" lvl="1" indent="0">
+              <a:buNone/>
+            </a:pPr>
+            <a:r>
+              <a:rPr lang="en-US" altLang="ko-KR" dirty="0">
+                <a:latin typeface="+mn-ea"/>
+              </a:rPr>
+              <a:t>    - </a:t>
+            </a:r>
+            <a:r>
+              <a:rPr lang="ko-KR" altLang="en-US" dirty="0">
+                <a:latin typeface="+mn-ea"/>
+              </a:rPr>
+              <a:t>이후 간단하게 진행</a:t>
+            </a:r>
+            <a:endParaRPr lang="en-US" altLang="ko-KR" dirty="0">
+              <a:latin typeface="+mn-ea"/>
+            </a:endParaRPr>
+          </a:p>
+          <a:p>
+            <a:pPr marL="266700" lvl="1" indent="0">
+              <a:buNone/>
+            </a:pPr>
+            <a:r>
+              <a:rPr lang="en-US" altLang="ko-KR" dirty="0">
+                <a:latin typeface="+mn-ea"/>
+              </a:rPr>
+              <a:t>      ☞ git push</a:t>
             </a:r>
           </a:p>
           <a:p>
             <a:pPr lvl="1"/>
             <a:r>
-              <a:rPr lang="en-US" altLang="ko-KR" dirty="0" err="1"/>
-              <a:t>Github</a:t>
-            </a:r>
-            <a:r>
-              <a:rPr lang="ko-KR" altLang="en-US" dirty="0"/>
-              <a:t>상에서 </a:t>
-            </a:r>
-            <a:r>
-              <a:rPr lang="en-US" altLang="ko-KR" dirty="0"/>
-              <a:t>id</a:t>
-            </a:r>
-            <a:r>
-              <a:rPr lang="ko-KR" altLang="en-US" dirty="0"/>
-              <a:t>를 기입 </a:t>
-            </a:r>
-            <a:r>
-              <a:rPr lang="en-US" altLang="ko-KR" dirty="0"/>
-              <a:t>-&gt; </a:t>
-            </a:r>
-            <a:r>
-              <a:rPr lang="ko-KR" altLang="en-US" dirty="0" err="1"/>
-              <a:t>메일보냄</a:t>
-            </a:r>
-            <a:r>
-              <a:rPr lang="en-US" altLang="ko-KR" dirty="0"/>
-              <a:t>. -&gt; </a:t>
-            </a:r>
-            <a:r>
-              <a:rPr lang="ko-KR" altLang="en-US" dirty="0"/>
-              <a:t>메일 수락</a:t>
-            </a:r>
-            <a:r>
-              <a:rPr lang="en-US" altLang="ko-KR" dirty="0"/>
-              <a:t>.(accept invitation)</a:t>
-            </a:r>
-          </a:p>
-          <a:p>
-            <a:pPr lvl="1"/>
-            <a:r>
-              <a:rPr lang="ko-KR" altLang="en-US" dirty="0" err="1"/>
-              <a:t>못받는</a:t>
-            </a:r>
-            <a:r>
-              <a:rPr lang="ko-KR" altLang="en-US" dirty="0"/>
-              <a:t> 것을 대비하여 </a:t>
-            </a:r>
-            <a:r>
-              <a:rPr lang="en-US" altLang="ko-KR" dirty="0"/>
-              <a:t>copy invite </a:t>
-            </a:r>
-            <a:r>
-              <a:rPr lang="ko-KR" altLang="en-US" dirty="0"/>
-              <a:t>링크를 보낼 수 있음</a:t>
-            </a:r>
-            <a:r>
-              <a:rPr lang="en-US" altLang="ko-KR" dirty="0"/>
-              <a:t>.</a:t>
-            </a:r>
-          </a:p>
-          <a:p>
-            <a:pPr lvl="1"/>
-            <a:r>
-              <a:rPr lang="ko-KR" altLang="en-US" dirty="0" err="1"/>
-              <a:t>권한선택</a:t>
-            </a:r>
-            <a:r>
-              <a:rPr lang="ko-KR" altLang="en-US" dirty="0"/>
+              <a:rPr lang="ko-KR" altLang="en-US" dirty="0">
+                <a:latin typeface="+mn-ea"/>
+              </a:rPr>
+              <a:t>특정 </a:t>
+            </a:r>
+            <a:r>
+              <a:rPr lang="ko-KR" altLang="en-US" dirty="0" err="1">
+                <a:latin typeface="+mn-ea"/>
+              </a:rPr>
+              <a:t>브랜치</a:t>
+            </a:r>
+            <a:r>
+              <a:rPr lang="ko-KR" altLang="en-US" dirty="0">
+                <a:latin typeface="+mn-ea"/>
+              </a:rPr>
               <a:t> </a:t>
             </a:r>
             <a:r>
-              <a:rPr lang="en-US" altLang="ko-KR" dirty="0"/>
-              <a:t>: admin, write, read</a:t>
-            </a:r>
-          </a:p>
-          <a:p>
-            <a:pPr lvl="1"/>
-            <a:r>
-              <a:rPr lang="en-US" altLang="ko-KR" dirty="0"/>
-              <a:t>Remote branch</a:t>
+              <a:rPr lang="en-US" altLang="ko-KR" dirty="0">
+                <a:latin typeface="+mn-ea"/>
+              </a:rPr>
+              <a:t>pull</a:t>
+            </a:r>
+          </a:p>
+          <a:p>
+            <a:pPr marL="266700" lvl="1" indent="0">
+              <a:buNone/>
+            </a:pPr>
+            <a:r>
+              <a:rPr lang="en-US" altLang="ko-KR" dirty="0">
+                <a:latin typeface="+mn-ea"/>
+              </a:rPr>
+              <a:t>    - pull</a:t>
+            </a:r>
+            <a:r>
+              <a:rPr lang="ko-KR" altLang="en-US" dirty="0">
+                <a:latin typeface="+mn-ea"/>
+              </a:rPr>
+              <a:t>하고자 하는 </a:t>
+            </a:r>
+            <a:r>
+              <a:rPr lang="ko-KR" altLang="en-US" dirty="0">
+                <a:solidFill>
+                  <a:srgbClr val="0000FF"/>
+                </a:solidFill>
+                <a:latin typeface="+mn-ea"/>
+              </a:rPr>
+              <a:t>로컬 </a:t>
+            </a:r>
+            <a:r>
+              <a:rPr lang="ko-KR" altLang="en-US" dirty="0" err="1">
+                <a:solidFill>
+                  <a:srgbClr val="0000FF"/>
+                </a:solidFill>
+                <a:latin typeface="+mn-ea"/>
+              </a:rPr>
+              <a:t>브랜치로</a:t>
+            </a:r>
+            <a:r>
+              <a:rPr lang="ko-KR" altLang="en-US" dirty="0">
+                <a:solidFill>
+                  <a:srgbClr val="0000FF"/>
+                </a:solidFill>
+                <a:latin typeface="+mn-ea"/>
+              </a:rPr>
+              <a:t> 이동 후</a:t>
+            </a:r>
+            <a:endParaRPr lang="en-US" altLang="ko-KR" dirty="0">
+              <a:solidFill>
+                <a:srgbClr val="0000FF"/>
+              </a:solidFill>
+              <a:latin typeface="+mn-ea"/>
+            </a:endParaRPr>
+          </a:p>
+          <a:p>
+            <a:pPr marL="266700" lvl="1" indent="0">
+              <a:buNone/>
+            </a:pPr>
+            <a:r>
+              <a:rPr lang="en-US" altLang="ko-KR" dirty="0">
+                <a:latin typeface="+mn-ea"/>
+              </a:rPr>
+              <a:t>    ☞ git pull origin &lt;</a:t>
+            </a:r>
+            <a:r>
+              <a:rPr lang="ko-KR" altLang="en-US" dirty="0" err="1">
+                <a:latin typeface="+mn-ea"/>
+              </a:rPr>
+              <a:t>브랜치</a:t>
+            </a:r>
+            <a:r>
+              <a:rPr lang="ko-KR" altLang="en-US" dirty="0">
+                <a:latin typeface="+mn-ea"/>
+              </a:rPr>
+              <a:t> 이름</a:t>
+            </a:r>
+            <a:r>
+              <a:rPr lang="en-US" altLang="ko-KR" dirty="0">
+                <a:latin typeface="+mn-ea"/>
+              </a:rPr>
+              <a:t>&gt;</a:t>
+            </a:r>
+          </a:p>
+          <a:p>
+            <a:pPr marL="266700" lvl="1" indent="0">
+              <a:buNone/>
+            </a:pPr>
+            <a:r>
+              <a:rPr lang="en-US" altLang="ko-KR" dirty="0">
+                <a:latin typeface="+mn-ea"/>
+              </a:rPr>
+              <a:t>    - </a:t>
+            </a:r>
+            <a:r>
+              <a:rPr lang="ko-KR" altLang="en-US" dirty="0">
+                <a:latin typeface="+mn-ea"/>
+              </a:rPr>
+              <a:t>이후 간단하게 진행</a:t>
+            </a:r>
+            <a:endParaRPr lang="en-US" altLang="ko-KR" dirty="0">
+              <a:latin typeface="+mn-ea"/>
+            </a:endParaRPr>
+          </a:p>
+          <a:p>
+            <a:pPr marL="266700" lvl="1" indent="0">
+              <a:buNone/>
+            </a:pPr>
+            <a:r>
+              <a:rPr lang="en-US" altLang="ko-KR" dirty="0">
+                <a:solidFill>
+                  <a:srgbClr val="FF0000"/>
+                </a:solidFill>
+                <a:latin typeface="+mn-ea"/>
+              </a:rPr>
+              <a:t>    </a:t>
+            </a:r>
+            <a:r>
+              <a:rPr lang="en-US" altLang="ko-KR" dirty="0">
+                <a:latin typeface="+mn-ea"/>
+              </a:rPr>
+              <a:t>☞ git pull</a:t>
             </a:r>
           </a:p>
         </p:txBody>
@@ -18686,7 +18781,7 @@
     </p:spTree>
     <p:extLst>
       <p:ext uri="{BB962C8B-B14F-4D97-AF65-F5344CB8AC3E}">
-        <p14:creationId xmlns:p14="http://schemas.microsoft.com/office/powerpoint/2010/main" val="767811426"/>
+        <p14:creationId xmlns:p14="http://schemas.microsoft.com/office/powerpoint/2010/main" val="3337374198"/>
       </p:ext>
     </p:extLst>
   </p:cSld>
@@ -18735,10 +18830,9 @@
           <a:lstStyle/>
           <a:p>
             <a:r>
-              <a:rPr lang="en-US" altLang="ko-KR" dirty="0"/>
-              <a:t>Pull Request</a:t>
-            </a:r>
-            <a:endParaRPr lang="ko-KR" altLang="en-US" dirty="0"/>
+              <a:rPr lang="ko-KR" altLang="en-US" dirty="0"/>
+              <a:t>협업하기</a:t>
+            </a:r>
           </a:p>
         </p:txBody>
       </p:sp>
@@ -18758,8 +18852,8 @@
         </p:nvSpPr>
         <p:spPr>
           <a:xfrm>
-            <a:off x="341787" y="1120544"/>
-            <a:ext cx="8642350" cy="4779215"/>
+            <a:off x="341787" y="1120545"/>
+            <a:ext cx="8642350" cy="2351314"/>
           </a:xfrm>
           <a:prstGeom prst="rect">
             <a:avLst/>
@@ -18911,236 +19005,131 @@
           <a:p>
             <a:r>
               <a:rPr lang="en-US" altLang="ko-KR" dirty="0"/>
-              <a:t>Pull Request</a:t>
+              <a:t>Fetch </a:t>
             </a:r>
             <a:r>
               <a:rPr lang="ko-KR" altLang="en-US" dirty="0"/>
-              <a:t>란</a:t>
+              <a:t>이용하기</a:t>
+            </a:r>
+            <a:endParaRPr lang="en-US" altLang="ko-KR" dirty="0"/>
+          </a:p>
+          <a:p>
+            <a:pPr lvl="1"/>
+            <a:r>
+              <a:rPr lang="en-US" altLang="ko-KR" dirty="0" err="1"/>
+              <a:t>Git</a:t>
             </a:r>
             <a:r>
               <a:rPr lang="en-US" altLang="ko-KR" dirty="0"/>
-              <a:t>? (</a:t>
+              <a:t> fetch – </a:t>
+            </a:r>
+            <a:r>
+              <a:rPr lang="en-US" altLang="ko-KR" dirty="0" err="1"/>
+              <a:t>git</a:t>
+            </a:r>
+            <a:r>
+              <a:rPr lang="en-US" altLang="ko-KR" dirty="0"/>
+              <a:t> merge FETCH_HEAD == </a:t>
+            </a:r>
+            <a:r>
+              <a:rPr lang="en-US" altLang="ko-KR" dirty="0" err="1"/>
+              <a:t>git</a:t>
+            </a:r>
+            <a:r>
+              <a:rPr lang="en-US" altLang="ko-KR" dirty="0"/>
+              <a:t> pull </a:t>
+            </a:r>
+          </a:p>
+          <a:p>
+            <a:pPr lvl="1"/>
+            <a:r>
+              <a:rPr lang="en-US" altLang="ko-KR" dirty="0" err="1"/>
+              <a:t>Github</a:t>
             </a:r>
             <a:r>
               <a:rPr lang="ko-KR" altLang="en-US" dirty="0"/>
-              <a:t>내 것을 </a:t>
+              <a:t>상에서 </a:t>
             </a:r>
             <a:r>
               <a:rPr lang="en-US" altLang="ko-KR" dirty="0"/>
-              <a:t>pull</a:t>
+              <a:t>id</a:t>
             </a:r>
             <a:r>
               <a:rPr lang="ko-KR" altLang="en-US" dirty="0"/>
-              <a:t>해서 </a:t>
+              <a:t>를 기입 </a:t>
             </a:r>
             <a:r>
               <a:rPr lang="en-US" altLang="ko-KR" dirty="0"/>
-              <a:t>merge</a:t>
+              <a:t>-&gt; </a:t>
+            </a:r>
+            <a:r>
+              <a:rPr lang="ko-KR" altLang="en-US" dirty="0" err="1"/>
+              <a:t>메일보냄</a:t>
+            </a:r>
+            <a:r>
+              <a:rPr lang="en-US" altLang="ko-KR" dirty="0"/>
+              <a:t>. -&gt; </a:t>
             </a:r>
             <a:r>
               <a:rPr lang="ko-KR" altLang="en-US" dirty="0"/>
-              <a:t>해 주세요</a:t>
+              <a:t>메일 수락</a:t>
             </a:r>
             <a:r>
               <a:rPr lang="en-US" altLang="ko-KR" dirty="0"/>
-              <a:t>!)</a:t>
+              <a:t>.(accept invitation)</a:t>
             </a:r>
           </a:p>
           <a:p>
             <a:pPr lvl="1"/>
             <a:r>
+              <a:rPr lang="ko-KR" altLang="en-US" dirty="0" err="1"/>
+              <a:t>못받는</a:t>
+            </a:r>
+            <a:r>
+              <a:rPr lang="ko-KR" altLang="en-US" dirty="0"/>
+              <a:t> 것을 대비하여 </a:t>
+            </a:r>
+            <a:r>
               <a:rPr lang="en-US" altLang="ko-KR" dirty="0"/>
-              <a:t>Main</a:t>
+              <a:t>copy invite </a:t>
             </a:r>
             <a:r>
               <a:rPr lang="ko-KR" altLang="en-US" dirty="0"/>
-              <a:t>에</a:t>
+              <a:t>링크를 보낼 수 있음</a:t>
             </a:r>
             <a:r>
               <a:rPr lang="en-US" altLang="ko-KR" dirty="0"/>
+              <a:t>.</a:t>
+            </a:r>
+          </a:p>
+          <a:p>
+            <a:pPr lvl="1"/>
+            <a:r>
+              <a:rPr lang="ko-KR" altLang="en-US" dirty="0" err="1"/>
+              <a:t>권한선택</a:t>
+            </a:r>
+            <a:r>
+              <a:rPr lang="ko-KR" altLang="en-US" dirty="0"/>
               <a:t> </a:t>
             </a:r>
             <a:r>
-              <a:rPr lang="ko-KR" altLang="en-US" dirty="0"/>
-              <a:t>내가 만든 내용을 </a:t>
-            </a:r>
-            <a:r>
               <a:rPr lang="en-US" altLang="ko-KR" dirty="0"/>
-              <a:t>merge</a:t>
-            </a:r>
-            <a:r>
-              <a:rPr lang="ko-KR" altLang="en-US" dirty="0"/>
-              <a:t>시켜달라는 요구</a:t>
-            </a:r>
-            <a:endParaRPr lang="en-US" altLang="ko-KR" dirty="0"/>
+              <a:t>: admin, write, read</a:t>
+            </a:r>
           </a:p>
           <a:p>
             <a:pPr lvl="1"/>
             <a:r>
-              <a:rPr lang="ko-KR" altLang="en-US" dirty="0"/>
-              <a:t>올리면 많은  사람들이 </a:t>
-            </a:r>
-            <a:r>
-              <a:rPr lang="ko-KR" altLang="en-US" dirty="0" err="1"/>
-              <a:t>코드리뷰를</a:t>
-            </a:r>
-            <a:r>
-              <a:rPr lang="ko-KR" altLang="en-US" dirty="0"/>
-              <a:t> 통해서 통과가 되면 통합브랜치인 </a:t>
-            </a:r>
-            <a:r>
               <a:rPr lang="en-US" altLang="ko-KR" dirty="0"/>
-              <a:t>main</a:t>
-            </a:r>
-            <a:r>
-              <a:rPr lang="ko-KR" altLang="en-US" dirty="0"/>
-              <a:t>에 </a:t>
-            </a:r>
-            <a:r>
-              <a:rPr lang="en-US" altLang="ko-KR" dirty="0"/>
-              <a:t>merge</a:t>
-            </a:r>
-            <a:r>
-              <a:rPr lang="ko-KR" altLang="en-US" dirty="0"/>
-              <a:t>를 하게 되고 이제부터는 다른 </a:t>
-            </a:r>
-            <a:r>
-              <a:rPr lang="ko-KR" altLang="en-US" dirty="0" err="1"/>
-              <a:t>접속자는</a:t>
-            </a:r>
-            <a:endParaRPr lang="en-US" altLang="ko-KR" dirty="0"/>
-          </a:p>
-          <a:p>
-            <a:pPr lvl="1"/>
-            <a:r>
-              <a:rPr lang="ko-KR" altLang="en-US" dirty="0"/>
-              <a:t>이것을 받아서 사용함</a:t>
-            </a:r>
-            <a:endParaRPr lang="en-US" altLang="ko-KR" dirty="0"/>
-          </a:p>
-          <a:p>
-            <a:pPr lvl="1"/>
-            <a:r>
-              <a:rPr lang="en-US" altLang="ko-KR" dirty="0"/>
-              <a:t> </a:t>
-            </a:r>
-            <a:r>
-              <a:rPr lang="ko-KR" altLang="en-US" dirty="0"/>
-              <a:t>두가지가 있음</a:t>
-            </a:r>
-            <a:endParaRPr lang="en-US" altLang="ko-KR" dirty="0"/>
-          </a:p>
-          <a:p>
-            <a:pPr marL="266700" lvl="1" indent="0">
-              <a:buNone/>
-            </a:pPr>
-            <a:r>
-              <a:rPr lang="en-US" altLang="ko-KR" dirty="0"/>
-              <a:t>   1. </a:t>
-            </a:r>
-            <a:r>
-              <a:rPr lang="ko-KR" altLang="en-US" dirty="0"/>
-              <a:t>원격저장소는 내가 권한인 있은 경우 </a:t>
-            </a:r>
-            <a:r>
-              <a:rPr lang="en-US" altLang="ko-KR" dirty="0"/>
-              <a:t>: </a:t>
-            </a:r>
-            <a:r>
-              <a:rPr lang="ko-KR" altLang="en-US" dirty="0"/>
-              <a:t>실습 대상</a:t>
-            </a:r>
-            <a:endParaRPr lang="en-US" altLang="ko-KR" dirty="0"/>
-          </a:p>
-          <a:p>
-            <a:pPr marL="266700" lvl="1" indent="0">
-              <a:buNone/>
-            </a:pPr>
-            <a:endParaRPr lang="en-US" altLang="ko-KR" dirty="0"/>
-          </a:p>
-          <a:p>
-            <a:pPr marL="266700" lvl="1" indent="0">
-              <a:buNone/>
-            </a:pPr>
-            <a:r>
-              <a:rPr lang="en-US" altLang="ko-KR" dirty="0"/>
-              <a:t>  </a:t>
-            </a:r>
-          </a:p>
-          <a:p>
-            <a:pPr marL="266700" lvl="1" indent="0">
-              <a:buNone/>
-            </a:pPr>
-            <a:r>
-              <a:rPr lang="en-US" altLang="ko-KR" dirty="0"/>
-              <a:t>   2. </a:t>
-            </a:r>
-            <a:r>
-              <a:rPr lang="ko-KR" altLang="en-US" dirty="0"/>
-              <a:t>오픈소스 방식</a:t>
-            </a:r>
-            <a:endParaRPr lang="en-US" altLang="ko-KR" dirty="0"/>
-          </a:p>
-          <a:p>
-            <a:pPr marL="266700" lvl="1" indent="0">
-              <a:buNone/>
-            </a:pPr>
-            <a:r>
-              <a:rPr lang="en-US" altLang="ko-KR" dirty="0"/>
-              <a:t>      </a:t>
-            </a:r>
-            <a:r>
-              <a:rPr lang="ko-KR" altLang="en-US" dirty="0"/>
-              <a:t>남의 </a:t>
-            </a:r>
-            <a:r>
-              <a:rPr lang="ko-KR" altLang="en-US" dirty="0" err="1"/>
-              <a:t>원격저장소</a:t>
-            </a:r>
-            <a:r>
-              <a:rPr lang="ko-KR" altLang="en-US" dirty="0"/>
-              <a:t> 권한이 없음</a:t>
-            </a:r>
-            <a:r>
-              <a:rPr lang="en-US" altLang="ko-KR" dirty="0"/>
-              <a:t>. </a:t>
-            </a:r>
-            <a:r>
-              <a:rPr lang="ko-KR" altLang="en-US" dirty="0"/>
-              <a:t>남의 저장소 내용을 </a:t>
-            </a:r>
-            <a:r>
-              <a:rPr lang="en-US" altLang="ko-KR" dirty="0"/>
-              <a:t>Fork</a:t>
-            </a:r>
-            <a:r>
-              <a:rPr lang="ko-KR" altLang="en-US" dirty="0"/>
-              <a:t>해서 내 </a:t>
-            </a:r>
-            <a:r>
-              <a:rPr lang="en-US" altLang="ko-KR" dirty="0"/>
-              <a:t>pc</a:t>
-            </a:r>
-            <a:r>
-              <a:rPr lang="ko-KR" altLang="en-US" dirty="0"/>
-              <a:t>에서 작업하고 내 원격저장소에 보내서 그곳에서 남의 저장소에 </a:t>
-            </a:r>
-            <a:r>
-              <a:rPr lang="en-US" altLang="ko-KR" dirty="0"/>
-              <a:t>pull request</a:t>
-            </a:r>
-            <a:r>
-              <a:rPr lang="ko-KR" altLang="en-US" dirty="0"/>
-              <a:t>하게 됨</a:t>
-            </a:r>
-            <a:endParaRPr lang="en-US" altLang="ko-KR" dirty="0"/>
+              <a:t>Remote branch</a:t>
+            </a:r>
           </a:p>
         </p:txBody>
       </p:sp>
     </p:spTree>
     <p:extLst>
       <p:ext uri="{BB962C8B-B14F-4D97-AF65-F5344CB8AC3E}">
-        <p14:creationId xmlns:p14="http://schemas.microsoft.com/office/powerpoint/2010/main" val="2382322175"/>
+        <p14:creationId xmlns:p14="http://schemas.microsoft.com/office/powerpoint/2010/main" val="767811426"/>
       </p:ext>
     </p:extLst>
   </p:cSld>
@@ -19365,19 +19354,50 @@
           <a:p>
             <a:r>
               <a:rPr lang="en-US" altLang="ko-KR" dirty="0"/>
-              <a:t>Pull Request </a:t>
+              <a:t>Pull Request</a:t>
             </a:r>
             <a:r>
               <a:rPr lang="ko-KR" altLang="en-US" dirty="0"/>
-              <a:t>동작 순서</a:t>
-            </a:r>
-            <a:endParaRPr lang="en-US" altLang="ko-KR" dirty="0"/>
+              <a:t>란</a:t>
+            </a:r>
+            <a:r>
+              <a:rPr lang="en-US" altLang="ko-KR" dirty="0"/>
+              <a:t>? (</a:t>
+            </a:r>
+            <a:r>
+              <a:rPr lang="ko-KR" altLang="en-US" dirty="0"/>
+              <a:t>내 것을 </a:t>
+            </a:r>
+            <a:r>
+              <a:rPr lang="en-US" altLang="ko-KR" dirty="0"/>
+              <a:t>pull</a:t>
+            </a:r>
+            <a:r>
+              <a:rPr lang="ko-KR" altLang="en-US" dirty="0"/>
+              <a:t>해서 </a:t>
+            </a:r>
+            <a:r>
+              <a:rPr lang="en-US" altLang="ko-KR" dirty="0"/>
+              <a:t>merge</a:t>
+            </a:r>
+            <a:r>
+              <a:rPr lang="ko-KR" altLang="en-US" dirty="0"/>
+              <a:t>해 주세요</a:t>
+            </a:r>
+            <a:r>
+              <a:rPr lang="en-US" altLang="ko-KR" dirty="0"/>
+              <a:t>!)</a:t>
+            </a:r>
           </a:p>
           <a:p>
             <a:pPr lvl="1"/>
             <a:r>
-              <a:rPr lang="en-US" altLang="ko-KR" dirty="0" err="1"/>
-              <a:t>Github</a:t>
+              <a:rPr lang="en-US" altLang="ko-KR" dirty="0"/>
+              <a:t>Main</a:t>
+            </a:r>
+            <a:r>
+              <a:rPr lang="ko-KR" altLang="en-US" dirty="0"/>
+              <a:t>에</a:t>
             </a:r>
             <a:r>
               <a:rPr lang="en-US" altLang="ko-KR" dirty="0"/>
@@ -19385,7 +19405,15 @@
             </a:r>
             <a:r>
               <a:rPr lang="ko-KR" altLang="en-US" dirty="0"/>
-              <a:t>그림으로 순서도 삽입</a:t>
+              <a:t>내가 만든 내용을 </a:t>
+            </a:r>
+            <a:r>
+              <a:rPr lang="en-US" altLang="ko-KR" dirty="0"/>
+              <a:t>merge</a:t>
+            </a:r>
+            <a:r>
+              <a:rPr lang="ko-KR" altLang="en-US" dirty="0"/>
+              <a:t>시켜달라는 요구</a:t>
             </a:r>
             <a:endParaRPr lang="en-US" altLang="ko-KR" dirty="0"/>
           </a:p>
@@ -19393,19 +19421,55 @@
             <a:pPr lvl="1"/>
             <a:r>
               <a:rPr lang="ko-KR" altLang="en-US" dirty="0"/>
-              <a:t> 마지막에 로컬저장소에서 </a:t>
-            </a:r>
-            <a:r>
-              <a:rPr lang="en-US" altLang="ko-KR" dirty="0" err="1"/>
-              <a:t>git</a:t>
+              <a:t>올리면 많은  사람들이 </a:t>
+            </a:r>
+            <a:r>
+              <a:rPr lang="ko-KR" altLang="en-US" dirty="0" err="1"/>
+              <a:t>코드리뷰를</a:t>
+            </a:r>
+            <a:r>
+              <a:rPr lang="ko-KR" altLang="en-US" dirty="0"/>
+              <a:t> 통해서 통과가 되면 통합브랜치인 </a:t>
             </a:r>
             <a:r>
               <a:rPr lang="en-US" altLang="ko-KR" dirty="0"/>
-              <a:t> pull</a:t>
+              <a:t>main</a:t>
             </a:r>
             <a:r>
               <a:rPr lang="ko-KR" altLang="en-US" dirty="0"/>
-              <a:t>을 하면 보이는 모양을 확인</a:t>
+              <a:t>에 </a:t>
+            </a:r>
+            <a:r>
+              <a:rPr lang="en-US" altLang="ko-KR" dirty="0"/>
+              <a:t>merge</a:t>
+            </a:r>
+            <a:r>
+              <a:rPr lang="ko-KR" altLang="en-US" dirty="0"/>
+              <a:t>를 하게 되고 이제부터는 다른 </a:t>
+            </a:r>
+            <a:r>
+              <a:rPr lang="ko-KR" altLang="en-US" dirty="0" err="1"/>
+              <a:t>접속자는</a:t>
+            </a:r>
+            <a:endParaRPr lang="en-US" altLang="ko-KR" dirty="0"/>
+          </a:p>
+          <a:p>
+            <a:pPr lvl="1"/>
+            <a:r>
+              <a:rPr lang="ko-KR" altLang="en-US" dirty="0"/>
+              <a:t>이것을 받아서 사용함</a:t>
+            </a:r>
+            <a:endParaRPr lang="en-US" altLang="ko-KR" dirty="0"/>
+          </a:p>
+          <a:p>
+            <a:pPr lvl="1"/>
+            <a:r>
+              <a:rPr lang="en-US" altLang="ko-KR" dirty="0"/>
+              <a:t> </a:t>
+            </a:r>
+            <a:r>
+              <a:rPr lang="ko-KR" altLang="en-US" dirty="0"/>
+              <a:t>두가지가 있음</a:t>
             </a:r>
             <a:endParaRPr lang="en-US" altLang="ko-KR" dirty="0"/>
           </a:p>
@@ -19415,15 +19479,111 @@
             </a:pPr>
             <a:r>
               <a:rPr lang="en-US" altLang="ko-KR" dirty="0"/>
+              <a:t>   1. </a:t>
+            </a:r>
+            <a:r>
+              <a:rPr lang="ko-KR" altLang="en-US" dirty="0"/>
+              <a:t>원격저장소는 내가 권한인 있은 경우 </a:t>
+            </a:r>
+            <a:r>
+              <a:rPr lang="en-US" altLang="ko-KR" dirty="0"/>
+              <a:t>: </a:t>
+            </a:r>
+            <a:r>
+              <a:rPr lang="ko-KR" altLang="en-US" dirty="0"/>
+              <a:t>실습 대상</a:t>
+            </a:r>
+            <a:endParaRPr lang="en-US" altLang="ko-KR" dirty="0"/>
+          </a:p>
+          <a:p>
+            <a:pPr marL="266700" lvl="1" indent="0">
+              <a:buNone/>
+            </a:pPr>
+            <a:endParaRPr lang="en-US" altLang="ko-KR" dirty="0"/>
+          </a:p>
+          <a:p>
+            <a:pPr marL="266700" lvl="1" indent="0">
+              <a:buNone/>
+            </a:pPr>
+            <a:r>
+              <a:rPr lang="en-US" altLang="ko-KR" dirty="0"/>
               <a:t>  </a:t>
             </a:r>
+          </a:p>
+          <a:p>
+            <a:pPr marL="266700" lvl="1" indent="0">
+              <a:buNone/>
+            </a:pPr>
+            <a:r>
+              <a:rPr lang="en-US" altLang="ko-KR" dirty="0"/>
+              <a:t>   2. </a:t>
+            </a:r>
+            <a:r>
+              <a:rPr lang="ko-KR" altLang="en-US" dirty="0"/>
+              <a:t>오픈소스 방식</a:t>
+            </a:r>
+            <a:endParaRPr lang="en-US" altLang="ko-KR" dirty="0"/>
+          </a:p>
+          <a:p>
+            <a:pPr marL="266700" lvl="1" indent="0">
+              <a:buNone/>
+            </a:pPr>
+            <a:r>
+              <a:rPr lang="en-US" altLang="ko-KR" dirty="0"/>
+              <a:t>      </a:t>
+            </a:r>
+            <a:r>
+              <a:rPr lang="ko-KR" altLang="en-US" dirty="0"/>
+              <a:t>남의 </a:t>
+            </a:r>
+            <a:r>
+              <a:rPr lang="ko-KR" altLang="en-US" dirty="0" err="1"/>
+              <a:t>원격저장소</a:t>
+            </a:r>
+            <a:r>
+              <a:rPr lang="ko-KR" altLang="en-US" dirty="0"/>
+              <a:t> 권한이 없음</a:t>
+            </a:r>
+            <a:r>
+              <a:rPr lang="en-US" altLang="ko-KR" dirty="0"/>
+              <a:t>. </a:t>
+            </a:r>
+            <a:r>
+              <a:rPr lang="ko-KR" altLang="en-US" dirty="0"/>
+              <a:t>남의 저장소 내용을 </a:t>
+            </a:r>
+            <a:r>
+              <a:rPr lang="en-US" altLang="ko-KR" dirty="0"/>
+              <a:t>Fork</a:t>
+            </a:r>
+            <a:r>
+              <a:rPr lang="ko-KR" altLang="en-US" dirty="0"/>
+              <a:t>해서 내 </a:t>
+            </a:r>
+            <a:r>
+              <a:rPr lang="en-US" altLang="ko-KR" dirty="0"/>
+              <a:t>pc</a:t>
+            </a:r>
+            <a:r>
+              <a:rPr lang="ko-KR" altLang="en-US" dirty="0"/>
+              <a:t>에서 작업하고 내 원격저장소에 보내서 그곳에서 남의 저장소에 </a:t>
+            </a:r>
+            <a:r>
+              <a:rPr lang="en-US" altLang="ko-KR" dirty="0"/>
+              <a:t>pull request</a:t>
+            </a:r>
+            <a:r>
+              <a:rPr lang="ko-KR" altLang="en-US" dirty="0"/>
+              <a:t>하게 됨</a:t>
+            </a:r>
+            <a:endParaRPr lang="en-US" altLang="ko-KR" dirty="0"/>
           </a:p>
         </p:txBody>
       </p:sp>
     </p:spTree>
     <p:extLst>
       <p:ext uri="{BB962C8B-B14F-4D97-AF65-F5344CB8AC3E}">
-        <p14:creationId xmlns:p14="http://schemas.microsoft.com/office/powerpoint/2010/main" val="3768842790"/>
+        <p14:creationId xmlns:p14="http://schemas.microsoft.com/office/powerpoint/2010/main" val="2382322175"/>
       </p:ext>
     </p:extLst>
   </p:cSld>
@@ -19472,687 +19632,241 @@
           <a:lstStyle/>
           <a:p>
             <a:r>
-              <a:rPr lang="ko-KR" altLang="en-US" dirty="0"/>
-              <a:t>협업시작하기</a:t>
-            </a:r>
+              <a:rPr lang="en-US" altLang="ko-KR" dirty="0"/>
+              <a:t>Pull Request</a:t>
+            </a:r>
+            <a:endParaRPr lang="ko-KR" altLang="en-US" dirty="0"/>
           </a:p>
         </p:txBody>
       </p:sp>
       <p:sp>
         <p:nvSpPr>
-          <p:cNvPr id="5" name="내용 개체 틀 4">
+          <p:cNvPr id="7" name="내용 개체 틀 2">
             <a:extLst>
               <a:ext uri="{FF2B5EF4-FFF2-40B4-BE49-F238E27FC236}">
-                <a16:creationId xmlns:a16="http://schemas.microsoft.com/office/drawing/2014/main" id="{FDF69C25-9F43-470B-8A20-AEDC0F371CCD}"/>
+                <a16:creationId xmlns:a16="http://schemas.microsoft.com/office/drawing/2014/main" id="{A44AC902-3746-40D6-9827-94B46EEDDC67}"/>
               </a:ext>
             </a:extLst>
           </p:cNvPr>
-          <p:cNvSpPr>
-            <a:spLocks noGrp="1"/>
+          <p:cNvSpPr txBox="1">
+            <a:spLocks/>
           </p:cNvSpPr>
-          <p:nvPr>
-            <p:ph idx="1"/>
-          </p:nvPr>
+          <p:nvPr/>
         </p:nvSpPr>
         <p:spPr>
           <a:xfrm>
-            <a:off x="250825" y="1000221"/>
-            <a:ext cx="8641655" cy="5146579"/>
+            <a:off x="341787" y="1120544"/>
+            <a:ext cx="8642350" cy="4779215"/>
           </a:xfrm>
+          <a:prstGeom prst="rect">
+            <a:avLst/>
+          </a:prstGeom>
         </p:spPr>
         <p:txBody>
-          <a:bodyPr tIns="0" bIns="0">
+          <a:bodyPr vert="horz" lIns="91440" tIns="45720" rIns="91440" bIns="45720" rtlCol="0">
             <a:noAutofit/>
           </a:bodyPr>
-          <a:lstStyle/>
-          <a:p>
-            <a:pPr>
+          <a:lstStyle>
+            <a:lvl1pPr marL="266700" indent="-266700" defTabSz="914400" latinLnBrk="1">
+              <a:lnSpc>
+                <a:spcPct val="150000"/>
+              </a:lnSpc>
+              <a:spcBef>
+                <a:spcPct val="0"/>
+              </a:spcBef>
               <a:buClr>
                 <a:schemeClr val="tx1">
                   <a:lumMod val="65000"/>
                   <a:lumOff val="35000"/>
                 </a:schemeClr>
               </a:buClr>
-              <a:defRPr/>
-            </a:pPr>
-            <a:r>
-              <a:rPr lang="ko-KR" altLang="en-US" dirty="0"/>
-              <a:t>프로젝트 만들기</a:t>
-            </a:r>
-          </a:p>
-          <a:p>
-            <a:pPr marL="609600" lvl="1" indent="-342900">
-              <a:lnSpc>
-                <a:spcPct val="130000"/>
-              </a:lnSpc>
+              <a:buFont typeface="Wingdings" pitchFamily="2" charset="2"/>
+              <a:buChar char="n"/>
+              <a:defRPr sz="2000" b="1">
+                <a:latin typeface="+mn-ea"/>
+              </a:defRPr>
+            </a:lvl1pPr>
+            <a:lvl2pPr marL="447675" lvl="1" indent="-180975" defTabSz="914400" latinLnBrk="1">
+              <a:lnSpc>
+                <a:spcPct val="150000"/>
+              </a:lnSpc>
+              <a:spcBef>
+                <a:spcPts val="0"/>
+              </a:spcBef>
+              <a:spcAft>
+                <a:spcPts val="0"/>
+              </a:spcAft>
+              <a:buClr>
+                <a:schemeClr val="tx1">
+                  <a:lumMod val="50000"/>
+                  <a:lumOff val="50000"/>
+                </a:schemeClr>
+              </a:buClr>
+              <a:buFont typeface="Wingdings" pitchFamily="2" charset="2"/>
+              <a:buChar char="§"/>
+              <a:defRPr sz="1600"/>
+            </a:lvl2pPr>
+            <a:lvl3pPr marL="628650" indent="-180975" defTabSz="914400" latinLnBrk="1">
+              <a:lnSpc>
+                <a:spcPct val="150000"/>
+              </a:lnSpc>
+              <a:spcBef>
+                <a:spcPts val="500"/>
+              </a:spcBef>
+              <a:spcAft>
+                <a:spcPts val="300"/>
+              </a:spcAft>
               <a:buClr>
                 <a:schemeClr val="tx1">
                   <a:lumMod val="65000"/>
                   <a:lumOff val="35000"/>
                 </a:schemeClr>
               </a:buClr>
-              <a:buFont typeface="+mj-ea"/>
-              <a:buAutoNum type="circleNumDbPlain"/>
-              <a:defRPr/>
-            </a:pPr>
-            <a:r>
-              <a:rPr lang="en-US" altLang="ko-KR" dirty="0" err="1">
-                <a:latin typeface="+mn-ea"/>
-              </a:rPr>
-              <a:t>Github</a:t>
-            </a:r>
-            <a:r>
-              <a:rPr lang="en-US" altLang="ko-KR" dirty="0">
-                <a:latin typeface="+mn-ea"/>
-              </a:rPr>
-              <a:t> </a:t>
-            </a:r>
-            <a:r>
-              <a:rPr lang="ko-KR" altLang="en-US" dirty="0">
-                <a:latin typeface="+mn-ea"/>
-              </a:rPr>
-              <a:t>등록</a:t>
-            </a:r>
-            <a:endParaRPr lang="en-US" altLang="ko-KR" dirty="0">
-              <a:latin typeface="+mn-ea"/>
-            </a:endParaRPr>
-          </a:p>
-          <a:p>
-            <a:pPr marL="609600" lvl="1" indent="-342900">
-              <a:lnSpc>
-                <a:spcPct val="130000"/>
-              </a:lnSpc>
+              <a:buFont typeface="Arial" panose="020B0604020202020204" pitchFamily="34" charset="0"/>
+              <a:buChar char="•"/>
+              <a:defRPr sz="1400"/>
+            </a:lvl3pPr>
+            <a:lvl4pPr marL="809625" indent="-180975" defTabSz="914400" latinLnBrk="1">
+              <a:lnSpc>
+                <a:spcPct val="150000"/>
+              </a:lnSpc>
+              <a:spcBef>
+                <a:spcPts val="500"/>
+              </a:spcBef>
+              <a:spcAft>
+                <a:spcPts val="300"/>
+              </a:spcAft>
               <a:buClr>
                 <a:schemeClr val="tx1">
                   <a:lumMod val="65000"/>
                   <a:lumOff val="35000"/>
                 </a:schemeClr>
               </a:buClr>
-              <a:buFont typeface="+mj-ea"/>
-              <a:buAutoNum type="circleNumDbPlain"/>
-              <a:defRPr/>
-            </a:pPr>
-            <a:r>
-              <a:rPr lang="ko-KR" altLang="en-US" dirty="0">
-                <a:latin typeface="+mn-ea"/>
-              </a:rPr>
-              <a:t>기존의 </a:t>
-            </a:r>
-            <a:r>
-              <a:rPr lang="ko-KR" altLang="en-US" dirty="0" err="1">
-                <a:latin typeface="+mn-ea"/>
-              </a:rPr>
-              <a:t>브랜치를</a:t>
-            </a:r>
-            <a:r>
-              <a:rPr lang="ko-KR" altLang="en-US" dirty="0">
-                <a:latin typeface="+mn-ea"/>
-              </a:rPr>
-              <a:t> 삭제하지 않으면 내용이 그대로 남아 있음</a:t>
-            </a:r>
-            <a:r>
-              <a:rPr lang="en-US" altLang="ko-KR" dirty="0">
-                <a:latin typeface="+mn-ea"/>
-              </a:rPr>
-              <a:t>.</a:t>
-            </a:r>
-          </a:p>
-          <a:p>
-            <a:pPr marL="266700" lvl="1" indent="0">
-              <a:lnSpc>
-                <a:spcPct val="130000"/>
-              </a:lnSpc>
+              <a:buSzPct val="96000"/>
+              <a:buFont typeface="Arial" panose="020B0604020202020204" pitchFamily="34" charset="0"/>
+              <a:buChar char="•"/>
+              <a:defRPr sz="1200"/>
+            </a:lvl4pPr>
+            <a:lvl5pPr marL="990600" indent="-180975" defTabSz="914400" latinLnBrk="1">
+              <a:lnSpc>
+                <a:spcPct val="150000"/>
+              </a:lnSpc>
+              <a:spcBef>
+                <a:spcPts val="500"/>
+              </a:spcBef>
               <a:buClr>
                 <a:schemeClr val="tx1">
                   <a:lumMod val="65000"/>
                   <a:lumOff val="35000"/>
                 </a:schemeClr>
               </a:buClr>
+              <a:buFont typeface="Arial" panose="020B0604020202020204" pitchFamily="34" charset="0"/>
+              <a:buChar char="•"/>
+              <a:defRPr sz="1000"/>
+            </a:lvl5pPr>
+            <a:lvl6pPr marL="2514600" indent="-228600" defTabSz="914400" latinLnBrk="1">
+              <a:lnSpc>
+                <a:spcPct val="90000"/>
+              </a:lnSpc>
+              <a:spcBef>
+                <a:spcPts val="500"/>
+              </a:spcBef>
+              <a:buFont typeface="Arial" panose="020B0604020202020204" pitchFamily="34" charset="0"/>
+              <a:buChar char="•"/>
+            </a:lvl6pPr>
+            <a:lvl7pPr marL="2971800" indent="-228600" defTabSz="914400" latinLnBrk="1">
+              <a:lnSpc>
+                <a:spcPct val="90000"/>
+              </a:lnSpc>
+              <a:spcBef>
+                <a:spcPts val="500"/>
+              </a:spcBef>
+              <a:buFont typeface="Arial" panose="020B0604020202020204" pitchFamily="34" charset="0"/>
+              <a:buChar char="•"/>
+            </a:lvl7pPr>
+            <a:lvl8pPr marL="3429000" indent="-228600" defTabSz="914400" latinLnBrk="1">
+              <a:lnSpc>
+                <a:spcPct val="90000"/>
+              </a:lnSpc>
+              <a:spcBef>
+                <a:spcPts val="500"/>
+              </a:spcBef>
+              <a:buFont typeface="Arial" panose="020B0604020202020204" pitchFamily="34" charset="0"/>
+              <a:buChar char="•"/>
+            </a:lvl8pPr>
+            <a:lvl9pPr marL="3886200" indent="-228600" defTabSz="914400" latinLnBrk="1">
+              <a:lnSpc>
+                <a:spcPct val="90000"/>
+              </a:lnSpc>
+              <a:spcBef>
+                <a:spcPts val="500"/>
+              </a:spcBef>
+              <a:buFont typeface="Arial" panose="020B0604020202020204" pitchFamily="34" charset="0"/>
+              <a:buChar char="•"/>
+            </a:lvl9pPr>
+          </a:lstStyle>
+          <a:p>
+            <a:r>
+              <a:rPr lang="en-US" altLang="ko-KR" dirty="0"/>
+              <a:t>Pull Request </a:t>
+            </a:r>
+            <a:r>
+              <a:rPr lang="ko-KR" altLang="en-US" dirty="0"/>
+              <a:t>동작 순서</a:t>
+            </a:r>
+            <a:endParaRPr lang="en-US" altLang="ko-KR" dirty="0"/>
+          </a:p>
+          <a:p>
+            <a:pPr lvl="1"/>
+            <a:r>
+              <a:rPr lang="en-US" altLang="ko-KR" dirty="0" err="1"/>
+              <a:t>Github</a:t>
+            </a:r>
+            <a:r>
+              <a:rPr lang="en-US" altLang="ko-KR" dirty="0"/>
+              <a:t> </a:t>
+            </a:r>
+            <a:r>
+              <a:rPr lang="ko-KR" altLang="en-US" dirty="0"/>
+              <a:t>그림으로 순서도 삽입</a:t>
+            </a:r>
+            <a:endParaRPr lang="en-US" altLang="ko-KR" dirty="0"/>
+          </a:p>
+          <a:p>
+            <a:pPr lvl="1"/>
+            <a:r>
+              <a:rPr lang="ko-KR" altLang="en-US" dirty="0"/>
+              <a:t> 마지막에 로컬저장소에서 </a:t>
+            </a:r>
+            <a:r>
+              <a:rPr lang="en-US" altLang="ko-KR" dirty="0" err="1"/>
+              <a:t>git</a:t>
+            </a:r>
+            <a:r>
+              <a:rPr lang="en-US" altLang="ko-KR" dirty="0"/>
+              <a:t> pull</a:t>
+            </a:r>
+            <a:r>
+              <a:rPr lang="ko-KR" altLang="en-US" dirty="0"/>
+              <a:t>을 하면 보이는 모양을 확인</a:t>
+            </a:r>
+            <a:endParaRPr lang="en-US" altLang="ko-KR" dirty="0"/>
+          </a:p>
+          <a:p>
+            <a:pPr marL="266700" lvl="1" indent="0">
               <a:buNone/>
-              <a:defRPr/>
             </a:pPr>
             <a:r>
-              <a:rPr lang="en-US" altLang="ko-KR" dirty="0">
-                <a:latin typeface="+mn-ea"/>
-              </a:rPr>
-              <a:t>      remote</a:t>
-            </a:r>
-            <a:r>
-              <a:rPr lang="ko-KR" altLang="en-US" dirty="0">
-                <a:latin typeface="+mn-ea"/>
-              </a:rPr>
-              <a:t>의 </a:t>
-            </a:r>
-            <a:r>
-              <a:rPr lang="en-US" altLang="ko-KR" dirty="0">
-                <a:latin typeface="+mn-ea"/>
-              </a:rPr>
-              <a:t>pull </a:t>
-            </a:r>
-            <a:r>
-              <a:rPr lang="ko-KR" altLang="en-US" dirty="0">
-                <a:latin typeface="+mn-ea"/>
-              </a:rPr>
-              <a:t>기능을 대신할 수 있는 기능은 무엇</a:t>
-            </a:r>
-            <a:r>
-              <a:rPr lang="en-US" altLang="ko-KR" dirty="0">
-                <a:latin typeface="+mn-ea"/>
-              </a:rPr>
-              <a:t>?</a:t>
-            </a:r>
-          </a:p>
-          <a:p>
-            <a:pPr marL="266700" lvl="1" indent="0">
-              <a:lnSpc>
-                <a:spcPct val="130000"/>
-              </a:lnSpc>
-              <a:buClr>
-                <a:schemeClr val="tx1">
-                  <a:lumMod val="65000"/>
-                  <a:lumOff val="35000"/>
-                </a:schemeClr>
-              </a:buClr>
-              <a:buNone/>
-              <a:defRPr/>
-            </a:pPr>
-            <a:r>
-              <a:rPr lang="ko-KR" altLang="en-US" dirty="0">
-                <a:latin typeface="+mn-ea"/>
-              </a:rPr>
-              <a:t>한번 </a:t>
-            </a:r>
-            <a:r>
-              <a:rPr lang="en-US" altLang="ko-KR" dirty="0">
-                <a:latin typeface="+mn-ea"/>
-              </a:rPr>
-              <a:t>merge</a:t>
-            </a:r>
-            <a:r>
-              <a:rPr lang="ko-KR" altLang="en-US" dirty="0">
-                <a:latin typeface="+mn-ea"/>
-              </a:rPr>
-              <a:t>하면 다시 </a:t>
-            </a:r>
-            <a:r>
-              <a:rPr lang="en-US" altLang="ko-KR" dirty="0">
-                <a:latin typeface="+mn-ea"/>
-              </a:rPr>
-              <a:t>commit</a:t>
-            </a:r>
-            <a:r>
-              <a:rPr lang="ko-KR" altLang="en-US" dirty="0">
-                <a:latin typeface="+mn-ea"/>
-              </a:rPr>
-              <a:t>하지 않는 한 </a:t>
-            </a:r>
-            <a:r>
-              <a:rPr lang="en-US" altLang="ko-KR" dirty="0">
-                <a:latin typeface="+mn-ea"/>
-              </a:rPr>
-              <a:t>merge </a:t>
-            </a:r>
-            <a:r>
-              <a:rPr lang="ko-KR" altLang="en-US" dirty="0">
-                <a:latin typeface="+mn-ea"/>
-              </a:rPr>
-              <a:t>안됨</a:t>
-            </a:r>
-            <a:r>
-              <a:rPr lang="en-US" altLang="ko-KR" dirty="0">
-                <a:latin typeface="+mn-ea"/>
-              </a:rPr>
-              <a:t>.</a:t>
-            </a:r>
-          </a:p>
-          <a:p>
-            <a:pPr marL="609600" lvl="1" indent="-342900">
-              <a:lnSpc>
-                <a:spcPct val="130000"/>
-              </a:lnSpc>
-              <a:buClr>
-                <a:schemeClr val="tx1">
-                  <a:lumMod val="65000"/>
-                  <a:lumOff val="35000"/>
-                </a:schemeClr>
-              </a:buClr>
-              <a:buFont typeface="+mj-ea"/>
-              <a:buAutoNum type="circleNumDbPlain"/>
-              <a:defRPr/>
-            </a:pPr>
-            <a:r>
-              <a:rPr lang="en-US" altLang="ko-KR" dirty="0">
-                <a:solidFill>
-                  <a:srgbClr val="FF0000"/>
-                </a:solidFill>
-                <a:latin typeface="+mn-ea"/>
-              </a:rPr>
-              <a:t>Clone</a:t>
-            </a:r>
-            <a:r>
-              <a:rPr lang="ko-KR" altLang="en-US" dirty="0">
-                <a:solidFill>
-                  <a:srgbClr val="FF0000"/>
-                </a:solidFill>
-                <a:latin typeface="+mn-ea"/>
-              </a:rPr>
-              <a:t>과 </a:t>
-            </a:r>
-            <a:r>
-              <a:rPr lang="en-US" altLang="ko-KR" dirty="0">
-                <a:solidFill>
-                  <a:srgbClr val="FF0000"/>
-                </a:solidFill>
-                <a:latin typeface="+mn-ea"/>
-              </a:rPr>
-              <a:t>pull</a:t>
-            </a:r>
-            <a:r>
-              <a:rPr lang="ko-KR" altLang="en-US" dirty="0">
-                <a:solidFill>
-                  <a:srgbClr val="FF0000"/>
-                </a:solidFill>
-                <a:latin typeface="+mn-ea"/>
-              </a:rPr>
-              <a:t>이</a:t>
-            </a:r>
-            <a:r>
-              <a:rPr lang="en-US" altLang="ko-KR" dirty="0">
-                <a:solidFill>
-                  <a:srgbClr val="FF0000"/>
-                </a:solidFill>
-                <a:latin typeface="+mn-ea"/>
-              </a:rPr>
-              <a:t> </a:t>
-            </a:r>
-            <a:r>
-              <a:rPr lang="ko-KR" altLang="en-US" dirty="0">
-                <a:solidFill>
-                  <a:srgbClr val="FF0000"/>
-                </a:solidFill>
-                <a:latin typeface="+mn-ea"/>
-              </a:rPr>
-              <a:t>차이</a:t>
-            </a:r>
-            <a:r>
-              <a:rPr lang="en-US" altLang="ko-KR" dirty="0">
-                <a:solidFill>
-                  <a:srgbClr val="FF0000"/>
-                </a:solidFill>
-                <a:latin typeface="+mn-ea"/>
-              </a:rPr>
-              <a:t>, </a:t>
-            </a:r>
-            <a:r>
-              <a:rPr lang="ko-KR" altLang="en-US" dirty="0">
-                <a:solidFill>
-                  <a:srgbClr val="FF0000"/>
-                </a:solidFill>
-                <a:latin typeface="+mn-ea"/>
-              </a:rPr>
-              <a:t>로컬에서 자동 연결 삭제 방법 확인</a:t>
-            </a:r>
-            <a:endParaRPr lang="en-US" altLang="ko-KR" dirty="0">
-              <a:solidFill>
-                <a:srgbClr val="FF0000"/>
-              </a:solidFill>
-              <a:latin typeface="+mn-ea"/>
-            </a:endParaRPr>
-          </a:p>
-          <a:p>
-            <a:pPr marL="266700" lvl="1" indent="0">
-              <a:lnSpc>
-                <a:spcPct val="130000"/>
-              </a:lnSpc>
-              <a:buClr>
-                <a:schemeClr val="tx1">
-                  <a:lumMod val="65000"/>
-                  <a:lumOff val="35000"/>
-                </a:schemeClr>
-              </a:buClr>
-              <a:buNone/>
-              <a:defRPr/>
-            </a:pPr>
-            <a:r>
-              <a:rPr lang="en-US" altLang="ko-KR" dirty="0">
-                <a:solidFill>
-                  <a:srgbClr val="FF0000"/>
-                </a:solidFill>
-                <a:latin typeface="+mn-ea"/>
-              </a:rPr>
-              <a:t>    - fork : </a:t>
-            </a:r>
-            <a:r>
-              <a:rPr lang="ko-KR" altLang="en-US" dirty="0">
-                <a:solidFill>
-                  <a:srgbClr val="FF0000"/>
-                </a:solidFill>
-                <a:latin typeface="+mn-ea"/>
-              </a:rPr>
-              <a:t>타인의 원격저장소를 나의 원격저장소로 복사하는 것</a:t>
-            </a:r>
-            <a:endParaRPr lang="en-US" altLang="ko-KR" dirty="0">
-              <a:solidFill>
-                <a:srgbClr val="FF0000"/>
-              </a:solidFill>
-              <a:latin typeface="+mn-ea"/>
-            </a:endParaRPr>
-          </a:p>
-          <a:p>
-            <a:pPr marL="266700" lvl="1" indent="0">
-              <a:lnSpc>
-                <a:spcPct val="130000"/>
-              </a:lnSpc>
-              <a:buClr>
-                <a:schemeClr val="tx1">
-                  <a:lumMod val="65000"/>
-                  <a:lumOff val="35000"/>
-                </a:schemeClr>
-              </a:buClr>
-              <a:buNone/>
-              <a:defRPr/>
-            </a:pPr>
-            <a:r>
-              <a:rPr lang="en-US" altLang="ko-KR">
-                <a:solidFill>
-                  <a:srgbClr val="FF0000"/>
-                </a:solidFill>
-                <a:latin typeface="+mn-ea"/>
-              </a:rPr>
-              <a:t>               </a:t>
-            </a:r>
-            <a:r>
-              <a:rPr lang="ko-KR" altLang="en-US">
-                <a:solidFill>
-                  <a:srgbClr val="FF0000"/>
-                </a:solidFill>
-                <a:latin typeface="+mn-ea"/>
-              </a:rPr>
-              <a:t>내</a:t>
-            </a:r>
-            <a:r>
-              <a:rPr lang="en-US" altLang="ko-KR" dirty="0" err="1">
-                <a:solidFill>
-                  <a:srgbClr val="FF0000"/>
-                </a:solidFill>
-                <a:latin typeface="+mn-ea"/>
-              </a:rPr>
-              <a:t>github</a:t>
-            </a:r>
-            <a:r>
-              <a:rPr lang="ko-KR" altLang="en-US" dirty="0">
-                <a:solidFill>
-                  <a:srgbClr val="FF0000"/>
-                </a:solidFill>
-                <a:latin typeface="+mn-ea"/>
-              </a:rPr>
-              <a:t>계정에 로그인하여 사용</a:t>
-            </a:r>
-            <a:r>
-              <a:rPr lang="en-US" altLang="ko-KR" dirty="0">
-                <a:solidFill>
-                  <a:srgbClr val="FF0000"/>
-                </a:solidFill>
-                <a:latin typeface="+mn-ea"/>
-              </a:rPr>
-              <a:t>. </a:t>
-            </a:r>
-            <a:r>
-              <a:rPr lang="ko-KR" altLang="en-US" dirty="0">
-                <a:solidFill>
-                  <a:srgbClr val="FF0000"/>
-                </a:solidFill>
-                <a:latin typeface="+mn-ea"/>
-              </a:rPr>
-              <a:t>나중에 </a:t>
-            </a:r>
-            <a:r>
-              <a:rPr lang="en-US" altLang="ko-KR" dirty="0">
-                <a:solidFill>
-                  <a:srgbClr val="FF0000"/>
-                </a:solidFill>
-                <a:latin typeface="+mn-ea"/>
-              </a:rPr>
-              <a:t>pull request</a:t>
-            </a:r>
-            <a:r>
-              <a:rPr lang="ko-KR" altLang="en-US" dirty="0">
-                <a:solidFill>
-                  <a:srgbClr val="FF0000"/>
-                </a:solidFill>
-                <a:latin typeface="+mn-ea"/>
-              </a:rPr>
-              <a:t>할 수 있음</a:t>
-            </a:r>
-            <a:r>
-              <a:rPr lang="en-US" altLang="ko-KR" dirty="0">
-                <a:solidFill>
-                  <a:srgbClr val="FF0000"/>
-                </a:solidFill>
-                <a:latin typeface="+mn-ea"/>
-              </a:rPr>
-              <a:t>.</a:t>
-            </a:r>
-          </a:p>
-          <a:p>
-            <a:pPr marL="266700" lvl="1" indent="0">
-              <a:lnSpc>
-                <a:spcPct val="130000"/>
-              </a:lnSpc>
-              <a:buClr>
-                <a:schemeClr val="tx1">
-                  <a:lumMod val="65000"/>
-                  <a:lumOff val="35000"/>
-                </a:schemeClr>
-              </a:buClr>
-              <a:buNone/>
-              <a:defRPr/>
-            </a:pPr>
-            <a:r>
-              <a:rPr lang="en-US" altLang="ko-KR" dirty="0">
-                <a:solidFill>
-                  <a:srgbClr val="FF0000"/>
-                </a:solidFill>
-                <a:latin typeface="+mn-ea"/>
-              </a:rPr>
-              <a:t>    - clone</a:t>
-            </a:r>
-            <a:r>
-              <a:rPr lang="ko-KR" altLang="en-US" dirty="0">
-                <a:solidFill>
-                  <a:srgbClr val="FF0000"/>
-                </a:solidFill>
-                <a:latin typeface="+mn-ea"/>
-              </a:rPr>
-              <a:t> </a:t>
-            </a:r>
-            <a:r>
-              <a:rPr lang="en-US" altLang="ko-KR" dirty="0">
-                <a:solidFill>
-                  <a:srgbClr val="FF0000"/>
-                </a:solidFill>
-                <a:latin typeface="+mn-ea"/>
-              </a:rPr>
-              <a:t>:</a:t>
-            </a:r>
-            <a:r>
-              <a:rPr lang="ko-KR" altLang="en-US" dirty="0">
-                <a:solidFill>
-                  <a:srgbClr val="FF0000"/>
-                </a:solidFill>
-                <a:latin typeface="+mn-ea"/>
-              </a:rPr>
-              <a:t> </a:t>
-            </a:r>
-            <a:r>
-              <a:rPr lang="en-US" altLang="ko-KR" dirty="0">
-                <a:solidFill>
-                  <a:srgbClr val="FF0000"/>
-                </a:solidFill>
-                <a:latin typeface="+mn-ea"/>
-              </a:rPr>
-              <a:t>(</a:t>
-            </a:r>
-            <a:r>
-              <a:rPr lang="ko-KR" altLang="en-US" dirty="0">
-                <a:solidFill>
-                  <a:srgbClr val="FF0000"/>
-                </a:solidFill>
-                <a:latin typeface="+mn-ea"/>
-              </a:rPr>
-              <a:t>타인의 원격저장소</a:t>
-            </a:r>
-            <a:r>
-              <a:rPr lang="en-US" altLang="ko-KR" dirty="0">
-                <a:solidFill>
-                  <a:srgbClr val="FF0000"/>
-                </a:solidFill>
-                <a:latin typeface="+mn-ea"/>
-              </a:rPr>
-              <a:t>, </a:t>
-            </a:r>
-            <a:r>
-              <a:rPr lang="ko-KR" altLang="en-US" dirty="0">
-                <a:solidFill>
-                  <a:srgbClr val="FF0000"/>
-                </a:solidFill>
-                <a:latin typeface="+mn-ea"/>
-              </a:rPr>
-              <a:t>나의 원격저장소 주소만 있으면 됨</a:t>
-            </a:r>
-            <a:r>
-              <a:rPr lang="en-US" altLang="ko-KR" dirty="0">
-                <a:solidFill>
-                  <a:srgbClr val="FF0000"/>
-                </a:solidFill>
-                <a:latin typeface="+mn-ea"/>
-              </a:rPr>
-              <a:t>) </a:t>
-            </a:r>
-          </a:p>
-          <a:p>
-            <a:pPr marL="266700" lvl="1" indent="0">
-              <a:lnSpc>
-                <a:spcPct val="130000"/>
-              </a:lnSpc>
-              <a:buClr>
-                <a:schemeClr val="tx1">
-                  <a:lumMod val="65000"/>
-                  <a:lumOff val="35000"/>
-                </a:schemeClr>
-              </a:buClr>
-              <a:buNone/>
-              <a:defRPr/>
-            </a:pPr>
-            <a:r>
-              <a:rPr lang="en-US" altLang="ko-KR" dirty="0">
-                <a:solidFill>
-                  <a:srgbClr val="FF0000"/>
-                </a:solidFill>
-                <a:latin typeface="+mn-ea"/>
-              </a:rPr>
-              <a:t>                   </a:t>
-            </a:r>
-            <a:r>
-              <a:rPr lang="ko-KR" altLang="en-US" dirty="0">
-                <a:solidFill>
-                  <a:srgbClr val="FF0000"/>
-                </a:solidFill>
-                <a:latin typeface="+mn-ea"/>
-              </a:rPr>
-              <a:t>나의 로컬저장소로 복사하는 것</a:t>
-            </a:r>
-            <a:endParaRPr lang="en-US" altLang="ko-KR" dirty="0">
-              <a:solidFill>
-                <a:srgbClr val="FF0000"/>
-              </a:solidFill>
-              <a:latin typeface="+mn-ea"/>
-            </a:endParaRPr>
-          </a:p>
-          <a:p>
-            <a:pPr marL="266700" lvl="1" indent="0">
-              <a:lnSpc>
-                <a:spcPct val="130000"/>
-              </a:lnSpc>
-              <a:buClr>
-                <a:schemeClr val="tx1">
-                  <a:lumMod val="65000"/>
-                  <a:lumOff val="35000"/>
-                </a:schemeClr>
-              </a:buClr>
-              <a:buNone/>
-              <a:defRPr/>
-            </a:pPr>
-            <a:r>
-              <a:rPr lang="en-US" altLang="ko-KR" dirty="0">
-                <a:solidFill>
-                  <a:srgbClr val="FF0000"/>
-                </a:solidFill>
-                <a:latin typeface="+mn-ea"/>
-              </a:rPr>
-              <a:t>    - pull</a:t>
-            </a:r>
-            <a:r>
-              <a:rPr lang="ko-KR" altLang="en-US" dirty="0">
-                <a:solidFill>
-                  <a:srgbClr val="FF0000"/>
-                </a:solidFill>
-                <a:latin typeface="+mn-ea"/>
-              </a:rPr>
-              <a:t> </a:t>
-            </a:r>
-            <a:r>
-              <a:rPr lang="en-US" altLang="ko-KR" dirty="0">
-                <a:solidFill>
-                  <a:srgbClr val="FF0000"/>
-                </a:solidFill>
-                <a:latin typeface="+mn-ea"/>
-              </a:rPr>
-              <a:t>:</a:t>
-            </a:r>
-            <a:r>
-              <a:rPr lang="ko-KR" altLang="en-US" dirty="0">
-                <a:solidFill>
-                  <a:srgbClr val="FF0000"/>
-                </a:solidFill>
-                <a:latin typeface="+mn-ea"/>
-              </a:rPr>
-              <a:t> 나의 원격저장소의 작업과 로컬저장소의 작업을 비교하면서 </a:t>
-            </a:r>
-            <a:r>
-              <a:rPr lang="ko-KR" altLang="en-US" dirty="0" err="1">
-                <a:solidFill>
-                  <a:srgbClr val="FF0000"/>
-                </a:solidFill>
-                <a:latin typeface="+mn-ea"/>
-              </a:rPr>
-              <a:t>내려받는</a:t>
-            </a:r>
-            <a:r>
-              <a:rPr lang="ko-KR" altLang="en-US" dirty="0">
-                <a:solidFill>
-                  <a:srgbClr val="FF0000"/>
-                </a:solidFill>
-                <a:latin typeface="+mn-ea"/>
-              </a:rPr>
-              <a:t> 것</a:t>
-            </a:r>
-            <a:endParaRPr lang="en-US" altLang="ko-KR" dirty="0">
-              <a:solidFill>
-                <a:srgbClr val="FF0000"/>
-              </a:solidFill>
-              <a:latin typeface="+mn-ea"/>
-            </a:endParaRPr>
-          </a:p>
-          <a:p>
-            <a:endParaRPr lang="ko-KR" altLang="en-US" sz="1600" dirty="0"/>
+              <a:rPr lang="en-US" altLang="ko-KR" dirty="0"/>
+              <a:t>  </a:t>
+            </a:r>
           </a:p>
         </p:txBody>
       </p:sp>
     </p:spTree>
     <p:extLst>
       <p:ext uri="{BB962C8B-B14F-4D97-AF65-F5344CB8AC3E}">
-        <p14:creationId xmlns:p14="http://schemas.microsoft.com/office/powerpoint/2010/main" val="2239061091"/>
+        <p14:creationId xmlns:p14="http://schemas.microsoft.com/office/powerpoint/2010/main" val="3768842790"/>
       </p:ext>
     </p:extLst>
   </p:cSld>
@@ -20202,6 +19916,735 @@
           <a:p>
             <a:r>
               <a:rPr lang="ko-KR" altLang="en-US" dirty="0"/>
+              <a:t>협업시작하기</a:t>
+            </a:r>
+          </a:p>
+        </p:txBody>
+      </p:sp>
+      <p:sp>
+        <p:nvSpPr>
+          <p:cNvPr id="5" name="내용 개체 틀 4">
+            <a:extLst>
+              <a:ext uri="{FF2B5EF4-FFF2-40B4-BE49-F238E27FC236}">
+                <a16:creationId xmlns:a16="http://schemas.microsoft.com/office/drawing/2014/main" id="{FDF69C25-9F43-470B-8A20-AEDC0F371CCD}"/>
+              </a:ext>
+            </a:extLst>
+          </p:cNvPr>
+          <p:cNvSpPr>
+            <a:spLocks noGrp="1"/>
+          </p:cNvSpPr>
+          <p:nvPr>
+            <p:ph idx="1"/>
+          </p:nvPr>
+        </p:nvSpPr>
+        <p:spPr>
+          <a:xfrm>
+            <a:off x="250825" y="1000221"/>
+            <a:ext cx="8641655" cy="5146579"/>
+          </a:xfrm>
+        </p:spPr>
+        <p:txBody>
+          <a:bodyPr tIns="0" bIns="0">
+            <a:noAutofit/>
+          </a:bodyPr>
+          <a:lstStyle/>
+          <a:p>
+            <a:pPr>
+              <a:buClr>
+                <a:schemeClr val="tx1">
+                  <a:lumMod val="65000"/>
+                  <a:lumOff val="35000"/>
+                </a:schemeClr>
+              </a:buClr>
+              <a:defRPr/>
+            </a:pPr>
+            <a:r>
+              <a:rPr lang="ko-KR" altLang="en-US" dirty="0"/>
+              <a:t>프로젝트 만들기</a:t>
+            </a:r>
+          </a:p>
+          <a:p>
+            <a:pPr marL="609600" lvl="1" indent="-342900">
+              <a:lnSpc>
+                <a:spcPct val="130000"/>
+              </a:lnSpc>
+              <a:buClr>
+                <a:schemeClr val="tx1">
+                  <a:lumMod val="65000"/>
+                  <a:lumOff val="35000"/>
+                </a:schemeClr>
+              </a:buClr>
+              <a:buFont typeface="+mj-ea"/>
+              <a:buAutoNum type="circleNumDbPlain"/>
+              <a:defRPr/>
+            </a:pPr>
+            <a:r>
+              <a:rPr lang="en-US" altLang="ko-KR" dirty="0" err="1">
+                <a:latin typeface="+mn-ea"/>
+              </a:rPr>
+              <a:t>Github</a:t>
+            </a:r>
+            <a:r>
+              <a:rPr lang="en-US" altLang="ko-KR" dirty="0">
+                <a:latin typeface="+mn-ea"/>
+              </a:rPr>
+              <a:t> </a:t>
+            </a:r>
+            <a:r>
+              <a:rPr lang="ko-KR" altLang="en-US" dirty="0">
+                <a:latin typeface="+mn-ea"/>
+              </a:rPr>
+              <a:t>등록</a:t>
+            </a:r>
+            <a:endParaRPr lang="en-US" altLang="ko-KR" dirty="0">
+              <a:latin typeface="+mn-ea"/>
+            </a:endParaRPr>
+          </a:p>
+          <a:p>
+            <a:pPr marL="609600" lvl="1" indent="-342900">
+              <a:lnSpc>
+                <a:spcPct val="130000"/>
+              </a:lnSpc>
+              <a:buClr>
+                <a:schemeClr val="tx1">
+                  <a:lumMod val="65000"/>
+                  <a:lumOff val="35000"/>
+                </a:schemeClr>
+              </a:buClr>
+              <a:buFont typeface="+mj-ea"/>
+              <a:buAutoNum type="circleNumDbPlain"/>
+              <a:defRPr/>
+            </a:pPr>
+            <a:r>
+              <a:rPr lang="ko-KR" altLang="en-US" dirty="0">
+                <a:latin typeface="+mn-ea"/>
+              </a:rPr>
+              <a:t>기존의 </a:t>
+            </a:r>
+            <a:r>
+              <a:rPr lang="ko-KR" altLang="en-US" dirty="0" err="1">
+                <a:latin typeface="+mn-ea"/>
+              </a:rPr>
+              <a:t>브랜치를</a:t>
+            </a:r>
+            <a:r>
+              <a:rPr lang="ko-KR" altLang="en-US" dirty="0">
+                <a:latin typeface="+mn-ea"/>
+              </a:rPr>
+              <a:t> 삭제하지 않으면 내용이 그대로 남아 있음</a:t>
+            </a:r>
+            <a:r>
+              <a:rPr lang="en-US" altLang="ko-KR" dirty="0">
+                <a:latin typeface="+mn-ea"/>
+              </a:rPr>
+              <a:t>.</a:t>
+            </a:r>
+          </a:p>
+          <a:p>
+            <a:pPr marL="266700" lvl="1" indent="0">
+              <a:lnSpc>
+                <a:spcPct val="130000"/>
+              </a:lnSpc>
+              <a:buClr>
+                <a:schemeClr val="tx1">
+                  <a:lumMod val="65000"/>
+                  <a:lumOff val="35000"/>
+                </a:schemeClr>
+              </a:buClr>
+              <a:buNone/>
+              <a:defRPr/>
+            </a:pPr>
+            <a:r>
+              <a:rPr lang="en-US" altLang="ko-KR" dirty="0">
+                <a:latin typeface="+mn-ea"/>
+              </a:rPr>
+              <a:t>      remote</a:t>
+            </a:r>
+            <a:r>
+              <a:rPr lang="ko-KR" altLang="en-US" dirty="0">
+                <a:latin typeface="+mn-ea"/>
+              </a:rPr>
+              <a:t>의 </a:t>
+            </a:r>
+            <a:r>
+              <a:rPr lang="en-US" altLang="ko-KR" dirty="0">
+                <a:latin typeface="+mn-ea"/>
+              </a:rPr>
+              <a:t>pull </a:t>
+            </a:r>
+            <a:r>
+              <a:rPr lang="ko-KR" altLang="en-US" dirty="0">
+                <a:latin typeface="+mn-ea"/>
+              </a:rPr>
+              <a:t>기능을 대신할 수 있는 기능은 무엇</a:t>
+            </a:r>
+            <a:r>
+              <a:rPr lang="en-US" altLang="ko-KR" dirty="0">
+                <a:latin typeface="+mn-ea"/>
+              </a:rPr>
+              <a:t>?</a:t>
+            </a:r>
+          </a:p>
+          <a:p>
+            <a:pPr marL="266700" lvl="1" indent="0">
+              <a:lnSpc>
+                <a:spcPct val="130000"/>
+              </a:lnSpc>
+              <a:buClr>
+                <a:schemeClr val="tx1">
+                  <a:lumMod val="65000"/>
+                  <a:lumOff val="35000"/>
+                </a:schemeClr>
+              </a:buClr>
+              <a:buNone/>
+              <a:defRPr/>
+            </a:pPr>
+            <a:r>
+              <a:rPr lang="ko-KR" altLang="en-US" dirty="0">
+                <a:latin typeface="+mn-ea"/>
+              </a:rPr>
+              <a:t>한번 </a:t>
+            </a:r>
+            <a:r>
+              <a:rPr lang="en-US" altLang="ko-KR" dirty="0">
+                <a:latin typeface="+mn-ea"/>
+              </a:rPr>
+              <a:t>merge</a:t>
+            </a:r>
+            <a:r>
+              <a:rPr lang="ko-KR" altLang="en-US" dirty="0">
+                <a:latin typeface="+mn-ea"/>
+              </a:rPr>
+              <a:t>하면 다시 </a:t>
+            </a:r>
+            <a:r>
+              <a:rPr lang="en-US" altLang="ko-KR" dirty="0">
+                <a:latin typeface="+mn-ea"/>
+              </a:rPr>
+              <a:t>commit</a:t>
+            </a:r>
+            <a:r>
+              <a:rPr lang="ko-KR" altLang="en-US" dirty="0">
+                <a:latin typeface="+mn-ea"/>
+              </a:rPr>
+              <a:t>하지 않는 한 </a:t>
+            </a:r>
+            <a:r>
+              <a:rPr lang="en-US" altLang="ko-KR" dirty="0">
+                <a:latin typeface="+mn-ea"/>
+              </a:rPr>
+              <a:t>merge </a:t>
+            </a:r>
+            <a:r>
+              <a:rPr lang="ko-KR" altLang="en-US" dirty="0">
+                <a:latin typeface="+mn-ea"/>
+              </a:rPr>
+              <a:t>안됨</a:t>
+            </a:r>
+            <a:r>
+              <a:rPr lang="en-US" altLang="ko-KR" dirty="0">
+                <a:latin typeface="+mn-ea"/>
+              </a:rPr>
+              <a:t>.</a:t>
+            </a:r>
+          </a:p>
+          <a:p>
+            <a:pPr marL="609600" lvl="1" indent="-342900">
+              <a:lnSpc>
+                <a:spcPct val="130000"/>
+              </a:lnSpc>
+              <a:buClr>
+                <a:schemeClr val="tx1">
+                  <a:lumMod val="65000"/>
+                  <a:lumOff val="35000"/>
+                </a:schemeClr>
+              </a:buClr>
+              <a:buFont typeface="+mj-ea"/>
+              <a:buAutoNum type="circleNumDbPlain"/>
+              <a:defRPr/>
+            </a:pPr>
+            <a:r>
+              <a:rPr lang="en-US" altLang="ko-KR" dirty="0">
+                <a:solidFill>
+                  <a:srgbClr val="FF0000"/>
+                </a:solidFill>
+                <a:latin typeface="+mn-ea"/>
+              </a:rPr>
+              <a:t>Clone</a:t>
+            </a:r>
+            <a:r>
+              <a:rPr lang="ko-KR" altLang="en-US" dirty="0">
+                <a:solidFill>
+                  <a:srgbClr val="FF0000"/>
+                </a:solidFill>
+                <a:latin typeface="+mn-ea"/>
+              </a:rPr>
+              <a:t>과 </a:t>
+            </a:r>
+            <a:r>
+              <a:rPr lang="en-US" altLang="ko-KR" dirty="0">
+                <a:solidFill>
+                  <a:srgbClr val="FF0000"/>
+                </a:solidFill>
+                <a:latin typeface="+mn-ea"/>
+              </a:rPr>
+              <a:t>pull</a:t>
+            </a:r>
+            <a:r>
+              <a:rPr lang="ko-KR" altLang="en-US" dirty="0">
+                <a:solidFill>
+                  <a:srgbClr val="FF0000"/>
+                </a:solidFill>
+                <a:latin typeface="+mn-ea"/>
+              </a:rPr>
+              <a:t>이</a:t>
+            </a:r>
+            <a:r>
+              <a:rPr lang="en-US" altLang="ko-KR" dirty="0">
+                <a:solidFill>
+                  <a:srgbClr val="FF0000"/>
+                </a:solidFill>
+                <a:latin typeface="+mn-ea"/>
+              </a:rPr>
+              <a:t> </a:t>
+            </a:r>
+            <a:r>
+              <a:rPr lang="ko-KR" altLang="en-US" dirty="0">
+                <a:solidFill>
+                  <a:srgbClr val="FF0000"/>
+                </a:solidFill>
+                <a:latin typeface="+mn-ea"/>
+              </a:rPr>
+              <a:t>차이</a:t>
+            </a:r>
+            <a:r>
+              <a:rPr lang="en-US" altLang="ko-KR" dirty="0">
+                <a:solidFill>
+                  <a:srgbClr val="FF0000"/>
+                </a:solidFill>
+                <a:latin typeface="+mn-ea"/>
+              </a:rPr>
+              <a:t>, </a:t>
+            </a:r>
+            <a:r>
+              <a:rPr lang="ko-KR" altLang="en-US" dirty="0">
+                <a:solidFill>
+                  <a:srgbClr val="FF0000"/>
+                </a:solidFill>
+                <a:latin typeface="+mn-ea"/>
+              </a:rPr>
+              <a:t>로컬에서 자동 연결 삭제 방법 확인</a:t>
+            </a:r>
+            <a:endParaRPr lang="en-US" altLang="ko-KR" dirty="0">
+              <a:solidFill>
+                <a:srgbClr val="FF0000"/>
+              </a:solidFill>
+              <a:latin typeface="+mn-ea"/>
+            </a:endParaRPr>
+          </a:p>
+          <a:p>
+            <a:pPr marL="266700" lvl="1" indent="0">
+              <a:lnSpc>
+                <a:spcPct val="130000"/>
+              </a:lnSpc>
+              <a:buClr>
+                <a:schemeClr val="tx1">
+                  <a:lumMod val="65000"/>
+                  <a:lumOff val="35000"/>
+                </a:schemeClr>
+              </a:buClr>
+              <a:buNone/>
+              <a:defRPr/>
+            </a:pPr>
+            <a:r>
+              <a:rPr lang="en-US" altLang="ko-KR" dirty="0">
+                <a:solidFill>
+                  <a:srgbClr val="FF0000"/>
+                </a:solidFill>
+                <a:latin typeface="+mn-ea"/>
+              </a:rPr>
+              <a:t>    - fork : </a:t>
+            </a:r>
+            <a:r>
+              <a:rPr lang="ko-KR" altLang="en-US" dirty="0">
+                <a:solidFill>
+                  <a:srgbClr val="FF0000"/>
+                </a:solidFill>
+                <a:latin typeface="+mn-ea"/>
+              </a:rPr>
+              <a:t>타인의 원격저장소를 나의 원격저장소로 복사하는 것</a:t>
+            </a:r>
+            <a:endParaRPr lang="en-US" altLang="ko-KR" dirty="0">
+              <a:solidFill>
+                <a:srgbClr val="FF0000"/>
+              </a:solidFill>
+              <a:latin typeface="+mn-ea"/>
+            </a:endParaRPr>
+          </a:p>
+          <a:p>
+            <a:pPr marL="266700" lvl="1" indent="0">
+              <a:lnSpc>
+                <a:spcPct val="130000"/>
+              </a:lnSpc>
+              <a:buClr>
+                <a:schemeClr val="tx1">
+                  <a:lumMod val="65000"/>
+                  <a:lumOff val="35000"/>
+                </a:schemeClr>
+              </a:buClr>
+              <a:buNone/>
+              <a:defRPr/>
+            </a:pPr>
+            <a:r>
+              <a:rPr lang="en-US" altLang="ko-KR">
+                <a:solidFill>
+                  <a:srgbClr val="FF0000"/>
+                </a:solidFill>
+                <a:latin typeface="+mn-ea"/>
+              </a:rPr>
+              <a:t>               </a:t>
+            </a:r>
+            <a:r>
+              <a:rPr lang="ko-KR" altLang="en-US">
+                <a:solidFill>
+                  <a:srgbClr val="FF0000"/>
+                </a:solidFill>
+                <a:latin typeface="+mn-ea"/>
+              </a:rPr>
+              <a:t>내</a:t>
+            </a:r>
+            <a:r>
+              <a:rPr lang="en-US" altLang="ko-KR" dirty="0" err="1">
+                <a:solidFill>
+                  <a:srgbClr val="FF0000"/>
+                </a:solidFill>
+                <a:latin typeface="+mn-ea"/>
+              </a:rPr>
+              <a:t>github</a:t>
+            </a:r>
+            <a:r>
+              <a:rPr lang="ko-KR" altLang="en-US" dirty="0">
+                <a:solidFill>
+                  <a:srgbClr val="FF0000"/>
+                </a:solidFill>
+                <a:latin typeface="+mn-ea"/>
+              </a:rPr>
+              <a:t>계정에 로그인하여 사용</a:t>
+            </a:r>
+            <a:r>
+              <a:rPr lang="en-US" altLang="ko-KR" dirty="0">
+                <a:solidFill>
+                  <a:srgbClr val="FF0000"/>
+                </a:solidFill>
+                <a:latin typeface="+mn-ea"/>
+              </a:rPr>
+              <a:t>. </a:t>
+            </a:r>
+            <a:r>
+              <a:rPr lang="ko-KR" altLang="en-US" dirty="0">
+                <a:solidFill>
+                  <a:srgbClr val="FF0000"/>
+                </a:solidFill>
+                <a:latin typeface="+mn-ea"/>
+              </a:rPr>
+              <a:t>나중에 </a:t>
+            </a:r>
+            <a:r>
+              <a:rPr lang="en-US" altLang="ko-KR" dirty="0">
+                <a:solidFill>
+                  <a:srgbClr val="FF0000"/>
+                </a:solidFill>
+                <a:latin typeface="+mn-ea"/>
+              </a:rPr>
+              <a:t>pull request</a:t>
+            </a:r>
+            <a:r>
+              <a:rPr lang="ko-KR" altLang="en-US" dirty="0">
+                <a:solidFill>
+                  <a:srgbClr val="FF0000"/>
+                </a:solidFill>
+                <a:latin typeface="+mn-ea"/>
+              </a:rPr>
+              <a:t>할 수 있음</a:t>
+            </a:r>
+            <a:r>
+              <a:rPr lang="en-US" altLang="ko-KR" dirty="0">
+                <a:solidFill>
+                  <a:srgbClr val="FF0000"/>
+                </a:solidFill>
+                <a:latin typeface="+mn-ea"/>
+              </a:rPr>
+              <a:t>.</a:t>
+            </a:r>
+          </a:p>
+          <a:p>
+            <a:pPr marL="266700" lvl="1" indent="0">
+              <a:lnSpc>
+                <a:spcPct val="130000"/>
+              </a:lnSpc>
+              <a:buClr>
+                <a:schemeClr val="tx1">
+                  <a:lumMod val="65000"/>
+                  <a:lumOff val="35000"/>
+                </a:schemeClr>
+              </a:buClr>
+              <a:buNone/>
+              <a:defRPr/>
+            </a:pPr>
+            <a:r>
+              <a:rPr lang="en-US" altLang="ko-KR" dirty="0">
+                <a:solidFill>
+                  <a:srgbClr val="FF0000"/>
+                </a:solidFill>
+                <a:latin typeface="+mn-ea"/>
+              </a:rPr>
+              <a:t>    - clone</a:t>
+            </a:r>
+            <a:r>
+              <a:rPr lang="ko-KR" altLang="en-US" dirty="0">
+                <a:solidFill>
+                  <a:srgbClr val="FF0000"/>
+                </a:solidFill>
+                <a:latin typeface="+mn-ea"/>
+              </a:rPr>
+              <a:t> </a:t>
+            </a:r>
+            <a:r>
+              <a:rPr lang="en-US" altLang="ko-KR" dirty="0">
+                <a:solidFill>
+                  <a:srgbClr val="FF0000"/>
+                </a:solidFill>
+                <a:latin typeface="+mn-ea"/>
+              </a:rPr>
+              <a:t>:</a:t>
+            </a:r>
+            <a:r>
+              <a:rPr lang="ko-KR" altLang="en-US" dirty="0">
+                <a:solidFill>
+                  <a:srgbClr val="FF0000"/>
+                </a:solidFill>
+                <a:latin typeface="+mn-ea"/>
+              </a:rPr>
+              <a:t> </a:t>
+            </a:r>
+            <a:r>
+              <a:rPr lang="en-US" altLang="ko-KR" dirty="0">
+                <a:solidFill>
+                  <a:srgbClr val="FF0000"/>
+                </a:solidFill>
+                <a:latin typeface="+mn-ea"/>
+              </a:rPr>
+              <a:t>(</a:t>
+            </a:r>
+            <a:r>
+              <a:rPr lang="ko-KR" altLang="en-US" dirty="0">
+                <a:solidFill>
+                  <a:srgbClr val="FF0000"/>
+                </a:solidFill>
+                <a:latin typeface="+mn-ea"/>
+              </a:rPr>
+              <a:t>타인의 원격저장소</a:t>
+            </a:r>
+            <a:r>
+              <a:rPr lang="en-US" altLang="ko-KR" dirty="0">
+                <a:solidFill>
+                  <a:srgbClr val="FF0000"/>
+                </a:solidFill>
+                <a:latin typeface="+mn-ea"/>
+              </a:rPr>
+              <a:t>, </a:t>
+            </a:r>
+            <a:r>
+              <a:rPr lang="ko-KR" altLang="en-US" dirty="0">
+                <a:solidFill>
+                  <a:srgbClr val="FF0000"/>
+                </a:solidFill>
+                <a:latin typeface="+mn-ea"/>
+              </a:rPr>
+              <a:t>나의 원격저장소 주소만 있으면 됨</a:t>
+            </a:r>
+            <a:r>
+              <a:rPr lang="en-US" altLang="ko-KR" dirty="0">
+                <a:solidFill>
+                  <a:srgbClr val="FF0000"/>
+                </a:solidFill>
+                <a:latin typeface="+mn-ea"/>
+              </a:rPr>
+              <a:t>) </a:t>
+            </a:r>
+          </a:p>
+          <a:p>
+            <a:pPr marL="266700" lvl="1" indent="0">
+              <a:lnSpc>
+                <a:spcPct val="130000"/>
+              </a:lnSpc>
+              <a:buClr>
+                <a:schemeClr val="tx1">
+                  <a:lumMod val="65000"/>
+                  <a:lumOff val="35000"/>
+                </a:schemeClr>
+              </a:buClr>
+              <a:buNone/>
+              <a:defRPr/>
+            </a:pPr>
+            <a:r>
+              <a:rPr lang="en-US" altLang="ko-KR" dirty="0">
+                <a:solidFill>
+                  <a:srgbClr val="FF0000"/>
+                </a:solidFill>
+                <a:latin typeface="+mn-ea"/>
+              </a:rPr>
+              <a:t>                   </a:t>
+            </a:r>
+            <a:r>
+              <a:rPr lang="ko-KR" altLang="en-US" dirty="0">
+                <a:solidFill>
+                  <a:srgbClr val="FF0000"/>
+                </a:solidFill>
+                <a:latin typeface="+mn-ea"/>
+              </a:rPr>
+              <a:t>나의 로컬저장소로 복사하는 것</a:t>
+            </a:r>
+            <a:endParaRPr lang="en-US" altLang="ko-KR" dirty="0">
+              <a:solidFill>
+                <a:srgbClr val="FF0000"/>
+              </a:solidFill>
+              <a:latin typeface="+mn-ea"/>
+            </a:endParaRPr>
+          </a:p>
+          <a:p>
+            <a:pPr marL="266700" lvl="1" indent="0">
+              <a:lnSpc>
+                <a:spcPct val="130000"/>
+              </a:lnSpc>
+              <a:buClr>
+                <a:schemeClr val="tx1">
+                  <a:lumMod val="65000"/>
+                  <a:lumOff val="35000"/>
+                </a:schemeClr>
+              </a:buClr>
+              <a:buNone/>
+              <a:defRPr/>
+            </a:pPr>
+            <a:r>
+              <a:rPr lang="en-US" altLang="ko-KR" dirty="0">
+                <a:solidFill>
+                  <a:srgbClr val="FF0000"/>
+                </a:solidFill>
+                <a:latin typeface="+mn-ea"/>
+              </a:rPr>
+              <a:t>    - pull</a:t>
+            </a:r>
+            <a:r>
+              <a:rPr lang="ko-KR" altLang="en-US" dirty="0">
+                <a:solidFill>
+                  <a:srgbClr val="FF0000"/>
+                </a:solidFill>
+                <a:latin typeface="+mn-ea"/>
+              </a:rPr>
+              <a:t> </a:t>
+            </a:r>
+            <a:r>
+              <a:rPr lang="en-US" altLang="ko-KR" dirty="0">
+                <a:solidFill>
+                  <a:srgbClr val="FF0000"/>
+                </a:solidFill>
+                <a:latin typeface="+mn-ea"/>
+              </a:rPr>
+              <a:t>:</a:t>
+            </a:r>
+            <a:r>
+              <a:rPr lang="ko-KR" altLang="en-US" dirty="0">
+                <a:solidFill>
+                  <a:srgbClr val="FF0000"/>
+                </a:solidFill>
+                <a:latin typeface="+mn-ea"/>
+              </a:rPr>
+              <a:t> 나의 원격저장소의 작업과 로컬저장소의 작업을 비교하면서 </a:t>
+            </a:r>
+            <a:r>
+              <a:rPr lang="ko-KR" altLang="en-US" dirty="0" err="1">
+                <a:solidFill>
+                  <a:srgbClr val="FF0000"/>
+                </a:solidFill>
+                <a:latin typeface="+mn-ea"/>
+              </a:rPr>
+              <a:t>내려받는</a:t>
+            </a:r>
+            <a:r>
+              <a:rPr lang="ko-KR" altLang="en-US" dirty="0">
+                <a:solidFill>
+                  <a:srgbClr val="FF0000"/>
+                </a:solidFill>
+                <a:latin typeface="+mn-ea"/>
+              </a:rPr>
+              <a:t> 것</a:t>
+            </a:r>
+            <a:endParaRPr lang="en-US" altLang="ko-KR" dirty="0">
+              <a:solidFill>
+                <a:srgbClr val="FF0000"/>
+              </a:solidFill>
+              <a:latin typeface="+mn-ea"/>
+            </a:endParaRPr>
+          </a:p>
+          <a:p>
+            <a:endParaRPr lang="ko-KR" altLang="en-US" sz="1600" dirty="0"/>
+          </a:p>
+        </p:txBody>
+      </p:sp>
+    </p:spTree>
+    <p:extLst>
+      <p:ext uri="{BB962C8B-B14F-4D97-AF65-F5344CB8AC3E}">
+        <p14:creationId xmlns:p14="http://schemas.microsoft.com/office/powerpoint/2010/main" val="2239061091"/>
+      </p:ext>
+    </p:extLst>
+  </p:cSld>
+  <p:clrMapOvr>
+    <a:masterClrMapping/>
+  </p:clrMapOvr>
+</p:sld>
+</file>
+
+<file path=ppt/slides/slide48.xml><?xml version="1.0" encoding="utf-8"?>
+<p:sld xmlns:a="http://schemas.openxmlformats.org/drawingml/2006/main" xmlns:r="http://schemas.openxmlformats.org/officeDocument/2006/relationships" xmlns:p="http://schemas.openxmlformats.org/presentationml/2006/main">
+  <p:cSld>
+    <p:spTree>
+      <p:nvGrpSpPr>
+        <p:cNvPr id="1" name=""/>
+        <p:cNvGrpSpPr/>
+        <p:nvPr/>
+      </p:nvGrpSpPr>
+      <p:grpSpPr>
+        <a:xfrm>
+          <a:off x="0" y="0"/>
+          <a:ext cx="0" cy="0"/>
+          <a:chOff x="0" y="0"/>
+          <a:chExt cx="0" cy="0"/>
+        </a:xfrm>
+      </p:grpSpPr>
+      <p:sp>
+        <p:nvSpPr>
+          <p:cNvPr id="4" name="제목 3">
+            <a:extLst>
+              <a:ext uri="{FF2B5EF4-FFF2-40B4-BE49-F238E27FC236}">
+                <a16:creationId xmlns:a16="http://schemas.microsoft.com/office/drawing/2014/main" id="{F0CEB32B-CB43-4410-BA08-A97E4BC47FCB}"/>
+              </a:ext>
+            </a:extLst>
+          </p:cNvPr>
+          <p:cNvSpPr>
+            <a:spLocks noGrp="1"/>
+          </p:cNvSpPr>
+          <p:nvPr>
+            <p:ph type="title"/>
+          </p:nvPr>
+        </p:nvSpPr>
+        <p:spPr/>
+        <p:txBody>
+          <a:bodyPr/>
+          <a:lstStyle/>
+          <a:p>
+            <a:r>
+              <a:rPr lang="ko-KR" altLang="en-US" dirty="0"/>
               <a:t>기타 환경 설정</a:t>
             </a:r>
           </a:p>
@@ -21123,7 +21566,7 @@
 </p:sld>
 </file>
 
-<file path=ppt/slides/slide48.xml><?xml version="1.0" encoding="utf-8"?>
+<file path=ppt/slides/slide49.xml><?xml version="1.0" encoding="utf-8"?>
 <p:sld xmlns:a="http://schemas.openxmlformats.org/drawingml/2006/main" xmlns:r="http://schemas.openxmlformats.org/officeDocument/2006/relationships" xmlns:p="http://schemas.openxmlformats.org/presentationml/2006/main">
   <p:cSld>
     <p:spTree>

--- a/git및github첫걸음-원격저장소연결.pptx
+++ b/git및github첫걸음-원격저장소연결.pptx
@@ -19849,6 +19849,32 @@
             <a:r>
               <a:rPr lang="ko-KR" altLang="en-US" dirty="0"/>
               <a:t>을 하면 보이는 모양을 확인</a:t>
+            </a:r>
+            <a:endParaRPr lang="en-US" altLang="ko-KR" dirty="0"/>
+          </a:p>
+          <a:p>
+            <a:pPr lvl="1"/>
+            <a:endParaRPr lang="en-US" altLang="ko-KR" dirty="0"/>
+          </a:p>
+          <a:p>
+            <a:pPr lvl="1"/>
+            <a:endParaRPr lang="en-US" altLang="ko-KR" dirty="0"/>
+          </a:p>
+          <a:p>
+            <a:pPr lvl="1"/>
+            <a:r>
+              <a:rPr lang="en-US" altLang="ko-KR" dirty="0">
+                <a:hlinkClick r:id="rId3"/>
+              </a:rPr>
+              <a:t>https://dev-youngjun.tistory.com/47</a:t>
+            </a:r>
+            <a:r>
+              <a:rPr lang="en-US" altLang="ko-KR" dirty="0"/>
+              <a:t> : </a:t>
+            </a:r>
+            <a:r>
+              <a:rPr lang="ko-KR" altLang="en-US" dirty="0"/>
+              <a:t>참고하여 작성하도록</a:t>
             </a:r>
             <a:endParaRPr lang="en-US" altLang="ko-KR" dirty="0"/>
           </a:p>
